--- a/dfr_metadata/book_chapter/fig/ntfs.pptx
+++ b/dfr_metadata/book_chapter/fig/ntfs.pptx
@@ -259,7 +259,7 @@
           <a:p>
             <a:fld id="{CFC90A4D-0449-FE4F-8963-89C122A9FB4A}" type="datetimeFigureOut">
               <a:rPr lang="en-US" smtClean="0"/>
-              <a:t>2/27/21</a:t>
+              <a:t>2/28/21</a:t>
             </a:fld>
             <a:endParaRPr lang="en-US"/>
           </a:p>
@@ -457,7 +457,7 @@
           <a:p>
             <a:fld id="{CFC90A4D-0449-FE4F-8963-89C122A9FB4A}" type="datetimeFigureOut">
               <a:rPr lang="en-US" smtClean="0"/>
-              <a:t>2/27/21</a:t>
+              <a:t>2/28/21</a:t>
             </a:fld>
             <a:endParaRPr lang="en-US"/>
           </a:p>
@@ -665,7 +665,7 @@
           <a:p>
             <a:fld id="{CFC90A4D-0449-FE4F-8963-89C122A9FB4A}" type="datetimeFigureOut">
               <a:rPr lang="en-US" smtClean="0"/>
-              <a:t>2/27/21</a:t>
+              <a:t>2/28/21</a:t>
             </a:fld>
             <a:endParaRPr lang="en-US"/>
           </a:p>
@@ -863,7 +863,7 @@
           <a:p>
             <a:fld id="{CFC90A4D-0449-FE4F-8963-89C122A9FB4A}" type="datetimeFigureOut">
               <a:rPr lang="en-US" smtClean="0"/>
-              <a:t>2/27/21</a:t>
+              <a:t>2/28/21</a:t>
             </a:fld>
             <a:endParaRPr lang="en-US"/>
           </a:p>
@@ -1138,7 +1138,7 @@
           <a:p>
             <a:fld id="{CFC90A4D-0449-FE4F-8963-89C122A9FB4A}" type="datetimeFigureOut">
               <a:rPr lang="en-US" smtClean="0"/>
-              <a:t>2/27/21</a:t>
+              <a:t>2/28/21</a:t>
             </a:fld>
             <a:endParaRPr lang="en-US"/>
           </a:p>
@@ -1403,7 +1403,7 @@
           <a:p>
             <a:fld id="{CFC90A4D-0449-FE4F-8963-89C122A9FB4A}" type="datetimeFigureOut">
               <a:rPr lang="en-US" smtClean="0"/>
-              <a:t>2/27/21</a:t>
+              <a:t>2/28/21</a:t>
             </a:fld>
             <a:endParaRPr lang="en-US"/>
           </a:p>
@@ -1815,7 +1815,7 @@
           <a:p>
             <a:fld id="{CFC90A4D-0449-FE4F-8963-89C122A9FB4A}" type="datetimeFigureOut">
               <a:rPr lang="en-US" smtClean="0"/>
-              <a:t>2/27/21</a:t>
+              <a:t>2/28/21</a:t>
             </a:fld>
             <a:endParaRPr lang="en-US"/>
           </a:p>
@@ -1956,7 +1956,7 @@
           <a:p>
             <a:fld id="{CFC90A4D-0449-FE4F-8963-89C122A9FB4A}" type="datetimeFigureOut">
               <a:rPr lang="en-US" smtClean="0"/>
-              <a:t>2/27/21</a:t>
+              <a:t>2/28/21</a:t>
             </a:fld>
             <a:endParaRPr lang="en-US"/>
           </a:p>
@@ -2069,7 +2069,7 @@
           <a:p>
             <a:fld id="{CFC90A4D-0449-FE4F-8963-89C122A9FB4A}" type="datetimeFigureOut">
               <a:rPr lang="en-US" smtClean="0"/>
-              <a:t>2/27/21</a:t>
+              <a:t>2/28/21</a:t>
             </a:fld>
             <a:endParaRPr lang="en-US"/>
           </a:p>
@@ -2380,7 +2380,7 @@
           <a:p>
             <a:fld id="{CFC90A4D-0449-FE4F-8963-89C122A9FB4A}" type="datetimeFigureOut">
               <a:rPr lang="en-US" smtClean="0"/>
-              <a:t>2/27/21</a:t>
+              <a:t>2/28/21</a:t>
             </a:fld>
             <a:endParaRPr lang="en-US"/>
           </a:p>
@@ -2668,7 +2668,7 @@
           <a:p>
             <a:fld id="{CFC90A4D-0449-FE4F-8963-89C122A9FB4A}" type="datetimeFigureOut">
               <a:rPr lang="en-US" smtClean="0"/>
-              <a:t>2/27/21</a:t>
+              <a:t>2/28/21</a:t>
             </a:fld>
             <a:endParaRPr lang="en-US"/>
           </a:p>
@@ -2909,7 +2909,7 @@
           <a:p>
             <a:fld id="{CFC90A4D-0449-FE4F-8963-89C122A9FB4A}" type="datetimeFigureOut">
               <a:rPr lang="en-US" smtClean="0"/>
-              <a:t>2/27/21</a:t>
+              <a:t>2/28/21</a:t>
             </a:fld>
             <a:endParaRPr lang="en-US"/>
           </a:p>
@@ -3340,8 +3340,8 @@
         </p:nvSpPr>
         <p:spPr>
           <a:xfrm>
-            <a:off x="3657937" y="1430336"/>
-            <a:ext cx="4153511" cy="772072"/>
+            <a:off x="3395883" y="1430336"/>
+            <a:ext cx="4186006" cy="772072"/>
           </a:xfrm>
           <a:prstGeom prst="rect">
             <a:avLst/>
@@ -3387,7 +3387,7 @@
         </p:nvSpPr>
         <p:spPr>
           <a:xfrm>
-            <a:off x="3298994" y="4321547"/>
+            <a:off x="3280226" y="4342879"/>
             <a:ext cx="814390" cy="646331"/>
           </a:xfrm>
           <a:prstGeom prst="rect">
@@ -3396,7 +3396,7 @@
           <a:noFill/>
         </p:spPr>
         <p:txBody>
-          <a:bodyPr wrap="none" rtlCol="0">
+          <a:bodyPr wrap="square" rtlCol="0">
             <a:spAutoFit/>
           </a:bodyPr>
           <a:lstStyle/>
@@ -3428,7 +3428,7 @@
         </p:nvSpPr>
         <p:spPr>
           <a:xfrm>
-            <a:off x="6997059" y="4262726"/>
+            <a:off x="7175232" y="4303787"/>
             <a:ext cx="814390" cy="646331"/>
           </a:xfrm>
           <a:prstGeom prst="rect">
@@ -3450,7 +3450,7 @@
           <a:p>
             <a:r>
               <a:rPr lang="en-US" dirty="0"/>
-              <a:t>  220</a:t>
+              <a:t>  204</a:t>
             </a:r>
           </a:p>
         </p:txBody>
@@ -3471,7 +3471,7 @@
         </p:nvCxnSpPr>
         <p:spPr>
           <a:xfrm>
-            <a:off x="5174485" y="1430336"/>
+            <a:off x="4665890" y="1430336"/>
             <a:ext cx="0" cy="772072"/>
           </a:xfrm>
           <a:prstGeom prst="line">
@@ -3509,7 +3509,7 @@
         </p:nvCxnSpPr>
         <p:spPr>
           <a:xfrm>
-            <a:off x="6248008" y="1430336"/>
+            <a:off x="5780351" y="1416681"/>
             <a:ext cx="0" cy="772072"/>
           </a:xfrm>
           <a:prstGeom prst="line">
@@ -3533,10 +3533,10 @@
       </p:cxnSp>
       <p:sp>
         <p:nvSpPr>
-          <p:cNvPr id="27" name="TextBox 26">
-            <a:extLst>
-              <a:ext uri="{FF2B5EF4-FFF2-40B4-BE49-F238E27FC236}">
-                <a16:creationId xmlns:a16="http://schemas.microsoft.com/office/drawing/2014/main" id="{1379EE74-228A-8D44-9C4B-F63EA99A2F9D}"/>
+          <p:cNvPr id="28" name="TextBox 27">
+            <a:extLst>
+              <a:ext uri="{FF2B5EF4-FFF2-40B4-BE49-F238E27FC236}">
+                <a16:creationId xmlns:a16="http://schemas.microsoft.com/office/drawing/2014/main" id="{C56C071C-9B2D-5144-8CE4-02FACFDC5995}"/>
               </a:ext>
             </a:extLst>
           </p:cNvPr>
@@ -3545,48 +3545,7 @@
         </p:nvSpPr>
         <p:spPr>
           <a:xfrm>
-            <a:off x="6300600" y="1502936"/>
-            <a:ext cx="1510848" cy="646331"/>
-          </a:xfrm>
-          <a:prstGeom prst="rect">
-            <a:avLst/>
-          </a:prstGeom>
-          <a:noFill/>
-        </p:spPr>
-        <p:txBody>
-          <a:bodyPr wrap="square" rtlCol="0">
-            <a:spAutoFit/>
-          </a:bodyPr>
-          <a:lstStyle/>
-          <a:p>
-            <a:r>
-              <a:rPr lang="en-US" dirty="0"/>
-              <a:t>run1: 200-201</a:t>
-            </a:r>
-          </a:p>
-          <a:p>
-            <a:r>
-              <a:rPr lang="en-US" dirty="0"/>
-              <a:t>run2: 212-220</a:t>
-            </a:r>
-          </a:p>
-        </p:txBody>
-      </p:sp>
-      <p:sp>
-        <p:nvSpPr>
-          <p:cNvPr id="28" name="TextBox 27">
-            <a:extLst>
-              <a:ext uri="{FF2B5EF4-FFF2-40B4-BE49-F238E27FC236}">
-                <a16:creationId xmlns:a16="http://schemas.microsoft.com/office/drawing/2014/main" id="{C56C071C-9B2D-5144-8CE4-02FACFDC5995}"/>
-              </a:ext>
-            </a:extLst>
-          </p:cNvPr>
-          <p:cNvSpPr txBox="1"/>
-          <p:nvPr/>
-        </p:nvSpPr>
-        <p:spPr>
-          <a:xfrm>
-            <a:off x="5267922" y="1504032"/>
+            <a:off x="4841720" y="1495266"/>
             <a:ext cx="843116" cy="646331"/>
           </a:xfrm>
           <a:prstGeom prst="rect">
@@ -3627,7 +3586,7 @@
         </p:nvSpPr>
         <p:spPr>
           <a:xfrm>
-            <a:off x="4062065" y="1530477"/>
+            <a:off x="3491055" y="1576416"/>
             <a:ext cx="981165" cy="369333"/>
           </a:xfrm>
           <a:prstGeom prst="rect">
@@ -3671,7 +3630,7 @@
         <p:spPr>
           <a:xfrm>
             <a:off x="4319912" y="991580"/>
-            <a:ext cx="2801921" cy="369332"/>
+            <a:ext cx="2801921" cy="369333"/>
           </a:xfrm>
           <a:prstGeom prst="rect">
             <a:avLst/>
@@ -3725,8 +3684,8 @@
         </p:nvCxnSpPr>
         <p:spPr>
           <a:xfrm rot="5400000">
-            <a:off x="3487762" y="2499916"/>
-            <a:ext cx="1003950" cy="455072"/>
+            <a:off x="3450636" y="2481551"/>
+            <a:ext cx="1062005" cy="476410"/>
           </a:xfrm>
           <a:prstGeom prst="bentConnector3">
             <a:avLst>
@@ -3766,7 +3725,7 @@
         </p:nvSpPr>
         <p:spPr>
           <a:xfrm>
-            <a:off x="3414651" y="3229427"/>
+            <a:off x="3395883" y="3250759"/>
             <a:ext cx="695100" cy="1004494"/>
           </a:xfrm>
           <a:prstGeom prst="roundRect">
@@ -3820,7 +3779,7 @@
         </p:nvSpPr>
         <p:spPr>
           <a:xfrm>
-            <a:off x="4337108" y="3231554"/>
+            <a:off x="4318340" y="3252886"/>
             <a:ext cx="695100" cy="1004494"/>
           </a:xfrm>
           <a:prstGeom prst="roundRect">
@@ -3874,236 +3833,7 @@
         </p:nvSpPr>
         <p:spPr>
           <a:xfrm>
-            <a:off x="6997059" y="3191774"/>
-            <a:ext cx="695100" cy="1024545"/>
-          </a:xfrm>
-          <a:prstGeom prst="roundRect">
-            <a:avLst/>
-          </a:prstGeom>
-          <a:pattFill prst="ltUpDiag">
-            <a:fgClr>
-              <a:schemeClr val="accent1"/>
-            </a:fgClr>
-            <a:bgClr>
-              <a:schemeClr val="bg1"/>
-            </a:bgClr>
-          </a:pattFill>
-        </p:spPr>
-        <p:style>
-          <a:lnRef idx="2">
-            <a:schemeClr val="accent1">
-              <a:shade val="50000"/>
-            </a:schemeClr>
-          </a:lnRef>
-          <a:fillRef idx="1">
-            <a:schemeClr val="accent1"/>
-          </a:fillRef>
-          <a:effectRef idx="0">
-            <a:schemeClr val="accent1"/>
-          </a:effectRef>
-          <a:fontRef idx="minor">
-            <a:schemeClr val="lt1"/>
-          </a:fontRef>
-        </p:style>
-        <p:txBody>
-          <a:bodyPr rtlCol="0" anchor="ctr"/>
-          <a:lstStyle/>
-          <a:p>
-            <a:pPr algn="ctr"/>
-            <a:endParaRPr lang="en-US"/>
-          </a:p>
-        </p:txBody>
-      </p:sp>
-      <p:sp>
-        <p:nvSpPr>
-          <p:cNvPr id="47" name="TextBox 46">
-            <a:extLst>
-              <a:ext uri="{FF2B5EF4-FFF2-40B4-BE49-F238E27FC236}">
-                <a16:creationId xmlns:a16="http://schemas.microsoft.com/office/drawing/2014/main" id="{946E2C8E-0A43-AE47-B1CE-CF07B2DDDEA3}"/>
-              </a:ext>
-            </a:extLst>
-          </p:cNvPr>
-          <p:cNvSpPr txBox="1"/>
-          <p:nvPr/>
-        </p:nvSpPr>
-        <p:spPr>
-          <a:xfrm>
-            <a:off x="4278791" y="4321546"/>
-            <a:ext cx="814390" cy="646331"/>
-          </a:xfrm>
-          <a:prstGeom prst="rect">
-            <a:avLst/>
-          </a:prstGeom>
-          <a:noFill/>
-        </p:spPr>
-        <p:txBody>
-          <a:bodyPr wrap="none" rtlCol="0">
-            <a:spAutoFit/>
-          </a:bodyPr>
-          <a:lstStyle/>
-          <a:p>
-            <a:r>
-              <a:rPr lang="en-US" dirty="0"/>
-              <a:t>cluster</a:t>
-            </a:r>
-          </a:p>
-          <a:p>
-            <a:r>
-              <a:rPr lang="en-US" dirty="0"/>
-              <a:t>  201</a:t>
-            </a:r>
-          </a:p>
-        </p:txBody>
-      </p:sp>
-      <p:cxnSp>
-        <p:nvCxnSpPr>
-          <p:cNvPr id="5" name="Straight Arrow Connector 4">
-            <a:extLst>
-              <a:ext uri="{FF2B5EF4-FFF2-40B4-BE49-F238E27FC236}">
-                <a16:creationId xmlns:a16="http://schemas.microsoft.com/office/drawing/2014/main" id="{FD31C735-7E7E-1B42-8463-1B7ED5ADF74B}"/>
-              </a:ext>
-            </a:extLst>
-          </p:cNvPr>
-          <p:cNvCxnSpPr>
-            <a:stCxn id="43" idx="3"/>
-            <a:endCxn id="45" idx="1"/>
-          </p:cNvCxnSpPr>
-          <p:nvPr/>
-        </p:nvCxnSpPr>
-        <p:spPr>
-          <a:xfrm>
-            <a:off x="4109751" y="3731674"/>
-            <a:ext cx="227357" cy="2127"/>
-          </a:xfrm>
-          <a:prstGeom prst="straightConnector1">
-            <a:avLst/>
-          </a:prstGeom>
-          <a:ln>
-            <a:tailEnd type="triangle"/>
-          </a:ln>
-        </p:spPr>
-        <p:style>
-          <a:lnRef idx="1">
-            <a:schemeClr val="accent1"/>
-          </a:lnRef>
-          <a:fillRef idx="0">
-            <a:schemeClr val="accent1"/>
-          </a:fillRef>
-          <a:effectRef idx="0">
-            <a:schemeClr val="accent1"/>
-          </a:effectRef>
-          <a:fontRef idx="minor">
-            <a:schemeClr val="tx1"/>
-          </a:fontRef>
-        </p:style>
-      </p:cxnSp>
-      <p:cxnSp>
-        <p:nvCxnSpPr>
-          <p:cNvPr id="49" name="Straight Arrow Connector 48">
-            <a:extLst>
-              <a:ext uri="{FF2B5EF4-FFF2-40B4-BE49-F238E27FC236}">
-                <a16:creationId xmlns:a16="http://schemas.microsoft.com/office/drawing/2014/main" id="{80CF9CE6-2772-C143-A0C4-A140D9E066DD}"/>
-              </a:ext>
-            </a:extLst>
-          </p:cNvPr>
-          <p:cNvCxnSpPr>
-            <a:cxnSpLocks/>
-          </p:cNvCxnSpPr>
-          <p:nvPr/>
-        </p:nvCxnSpPr>
-        <p:spPr>
-          <a:xfrm>
-            <a:off x="6506657" y="3731510"/>
-            <a:ext cx="522208" cy="1"/>
-          </a:xfrm>
-          <a:prstGeom prst="straightConnector1">
-            <a:avLst/>
-          </a:prstGeom>
-          <a:ln>
-            <a:solidFill>
-              <a:schemeClr val="accent1"/>
-            </a:solidFill>
-            <a:prstDash val="dash"/>
-            <a:tailEnd type="triangle"/>
-          </a:ln>
-        </p:spPr>
-        <p:style>
-          <a:lnRef idx="1">
-            <a:schemeClr val="accent1"/>
-          </a:lnRef>
-          <a:fillRef idx="0">
-            <a:schemeClr val="accent1"/>
-          </a:fillRef>
-          <a:effectRef idx="0">
-            <a:schemeClr val="accent1"/>
-          </a:effectRef>
-          <a:fontRef idx="minor">
-            <a:schemeClr val="tx1"/>
-          </a:fontRef>
-        </p:style>
-      </p:cxnSp>
-      <p:sp>
-        <p:nvSpPr>
-          <p:cNvPr id="76" name="Rectangle 75">
-            <a:extLst>
-              <a:ext uri="{FF2B5EF4-FFF2-40B4-BE49-F238E27FC236}">
-                <a16:creationId xmlns:a16="http://schemas.microsoft.com/office/drawing/2014/main" id="{9CE5E5BD-D8E3-5F4F-8CFA-B75A2FF35EFC}"/>
-              </a:ext>
-            </a:extLst>
-          </p:cNvPr>
-          <p:cNvSpPr/>
-          <p:nvPr/>
-        </p:nvSpPr>
-        <p:spPr>
-          <a:xfrm>
-            <a:off x="3219718" y="451909"/>
-            <a:ext cx="4790941" cy="5240729"/>
-          </a:xfrm>
-          <a:prstGeom prst="rect">
-            <a:avLst/>
-          </a:prstGeom>
-          <a:noFill/>
-        </p:spPr>
-        <p:style>
-          <a:lnRef idx="2">
-            <a:schemeClr val="accent1">
-              <a:shade val="50000"/>
-            </a:schemeClr>
-          </a:lnRef>
-          <a:fillRef idx="1">
-            <a:schemeClr val="accent1"/>
-          </a:fillRef>
-          <a:effectRef idx="0">
-            <a:schemeClr val="accent1"/>
-          </a:effectRef>
-          <a:fontRef idx="minor">
-            <a:schemeClr val="lt1"/>
-          </a:fontRef>
-        </p:style>
-        <p:txBody>
-          <a:bodyPr rtlCol="0" anchor="ctr"/>
-          <a:lstStyle/>
-          <a:p>
-            <a:pPr algn="ctr"/>
-            <a:endParaRPr lang="en-US"/>
-          </a:p>
-        </p:txBody>
-      </p:sp>
-      <p:sp>
-        <p:nvSpPr>
-          <p:cNvPr id="44" name="Rounded Rectangle 43">
-            <a:extLst>
-              <a:ext uri="{FF2B5EF4-FFF2-40B4-BE49-F238E27FC236}">
-                <a16:creationId xmlns:a16="http://schemas.microsoft.com/office/drawing/2014/main" id="{92F8BC2C-2CD7-AB4B-B59F-3F9F1605F78C}"/>
-              </a:ext>
-            </a:extLst>
-          </p:cNvPr>
-          <p:cNvSpPr/>
-          <p:nvPr/>
-        </p:nvSpPr>
-        <p:spPr>
-          <a:xfrm>
-            <a:off x="5780762" y="3231390"/>
+            <a:off x="7175232" y="3252886"/>
             <a:ext cx="695100" cy="1004494"/>
           </a:xfrm>
           <a:prstGeom prst="roundRect">
@@ -4145,10 +3875,10 @@
       </p:sp>
       <p:sp>
         <p:nvSpPr>
-          <p:cNvPr id="48" name="TextBox 47">
-            <a:extLst>
-              <a:ext uri="{FF2B5EF4-FFF2-40B4-BE49-F238E27FC236}">
-                <a16:creationId xmlns:a16="http://schemas.microsoft.com/office/drawing/2014/main" id="{D9BC63DA-96C8-2B45-85FC-139106E1A31B}"/>
+          <p:cNvPr id="47" name="TextBox 46">
+            <a:extLst>
+              <a:ext uri="{FF2B5EF4-FFF2-40B4-BE49-F238E27FC236}">
+                <a16:creationId xmlns:a16="http://schemas.microsoft.com/office/drawing/2014/main" id="{946E2C8E-0A43-AE47-B1CE-CF07B2DDDEA3}"/>
               </a:ext>
             </a:extLst>
           </p:cNvPr>
@@ -4157,7 +3887,7 @@
         </p:nvSpPr>
         <p:spPr>
           <a:xfrm>
-            <a:off x="5722445" y="4321382"/>
+            <a:off x="4260023" y="4342878"/>
             <a:ext cx="814390" cy="646331"/>
           </a:xfrm>
           <a:prstGeom prst="rect">
@@ -4166,7 +3896,7 @@
           <a:noFill/>
         </p:spPr>
         <p:txBody>
-          <a:bodyPr wrap="none" rtlCol="0">
+          <a:bodyPr wrap="square" rtlCol="0">
             <a:spAutoFit/>
           </a:bodyPr>
           <a:lstStyle/>
@@ -4179,60 +3909,158 @@
           <a:p>
             <a:r>
               <a:rPr lang="en-US" dirty="0"/>
-              <a:t>  212</a:t>
-            </a:r>
-          </a:p>
-        </p:txBody>
-      </p:sp>
-      <p:cxnSp>
-        <p:nvCxnSpPr>
-          <p:cNvPr id="50" name="Straight Arrow Connector 49">
-            <a:extLst>
-              <a:ext uri="{FF2B5EF4-FFF2-40B4-BE49-F238E27FC236}">
-                <a16:creationId xmlns:a16="http://schemas.microsoft.com/office/drawing/2014/main" id="{9784442A-A464-D841-A2E6-7F7AE2800A92}"/>
-              </a:ext>
-            </a:extLst>
-          </p:cNvPr>
-          <p:cNvCxnSpPr>
-            <a:cxnSpLocks/>
-            <a:stCxn id="45" idx="3"/>
-            <a:endCxn id="44" idx="1"/>
-          </p:cNvCxnSpPr>
+              <a:t>  201</a:t>
+            </a:r>
+          </a:p>
+        </p:txBody>
+      </p:sp>
+      <p:sp>
+        <p:nvSpPr>
+          <p:cNvPr id="76" name="Rectangle 75">
+            <a:extLst>
+              <a:ext uri="{FF2B5EF4-FFF2-40B4-BE49-F238E27FC236}">
+                <a16:creationId xmlns:a16="http://schemas.microsoft.com/office/drawing/2014/main" id="{9CE5E5BD-D8E3-5F4F-8CFA-B75A2FF35EFC}"/>
+              </a:ext>
+            </a:extLst>
+          </p:cNvPr>
+          <p:cNvSpPr/>
           <p:nvPr/>
-        </p:nvCxnSpPr>
+        </p:nvSpPr>
         <p:spPr>
-          <a:xfrm flipV="1">
-            <a:off x="5032208" y="3733637"/>
-            <a:ext cx="748554" cy="164"/>
+          <a:xfrm>
+            <a:off x="3219718" y="451909"/>
+            <a:ext cx="4790941" cy="5240729"/>
           </a:xfrm>
-          <a:prstGeom prst="straightConnector1">
+          <a:prstGeom prst="rect">
             <a:avLst/>
           </a:prstGeom>
-          <a:ln>
-            <a:tailEnd type="triangle"/>
-          </a:ln>
+          <a:noFill/>
         </p:spPr>
         <p:style>
-          <a:lnRef idx="1">
-            <a:schemeClr val="accent1"/>
+          <a:lnRef idx="2">
+            <a:schemeClr val="accent1">
+              <a:shade val="50000"/>
+            </a:schemeClr>
           </a:lnRef>
-          <a:fillRef idx="0">
+          <a:fillRef idx="1">
             <a:schemeClr val="accent1"/>
           </a:fillRef>
           <a:effectRef idx="0">
             <a:schemeClr val="accent1"/>
           </a:effectRef>
           <a:fontRef idx="minor">
-            <a:schemeClr val="tx1"/>
+            <a:schemeClr val="lt1"/>
           </a:fontRef>
         </p:style>
-      </p:cxnSp>
-      <p:sp>
-        <p:nvSpPr>
-          <p:cNvPr id="25" name="TextBox 24">
-            <a:extLst>
-              <a:ext uri="{FF2B5EF4-FFF2-40B4-BE49-F238E27FC236}">
-                <a16:creationId xmlns:a16="http://schemas.microsoft.com/office/drawing/2014/main" id="{D669D1D1-4771-304D-8D0C-9BFD57C7A3CE}"/>
+        <p:txBody>
+          <a:bodyPr rtlCol="0" anchor="ctr"/>
+          <a:lstStyle/>
+          <a:p>
+            <a:pPr algn="ctr"/>
+            <a:endParaRPr lang="en-US"/>
+          </a:p>
+        </p:txBody>
+      </p:sp>
+      <p:sp>
+        <p:nvSpPr>
+          <p:cNvPr id="44" name="Rounded Rectangle 43">
+            <a:extLst>
+              <a:ext uri="{FF2B5EF4-FFF2-40B4-BE49-F238E27FC236}">
+                <a16:creationId xmlns:a16="http://schemas.microsoft.com/office/drawing/2014/main" id="{27E4486C-800D-064B-AD28-97F146BEF6F5}"/>
+              </a:ext>
+            </a:extLst>
+          </p:cNvPr>
+          <p:cNvSpPr/>
+          <p:nvPr/>
+        </p:nvSpPr>
+        <p:spPr>
+          <a:xfrm>
+            <a:off x="5300635" y="3250189"/>
+            <a:ext cx="695100" cy="1004494"/>
+          </a:xfrm>
+          <a:prstGeom prst="roundRect">
+            <a:avLst/>
+          </a:prstGeom>
+          <a:noFill/>
+        </p:spPr>
+        <p:style>
+          <a:lnRef idx="2">
+            <a:schemeClr val="accent1">
+              <a:shade val="50000"/>
+            </a:schemeClr>
+          </a:lnRef>
+          <a:fillRef idx="1">
+            <a:schemeClr val="accent1"/>
+          </a:fillRef>
+          <a:effectRef idx="0">
+            <a:schemeClr val="accent1"/>
+          </a:effectRef>
+          <a:fontRef idx="minor">
+            <a:schemeClr val="lt1"/>
+          </a:fontRef>
+        </p:style>
+        <p:txBody>
+          <a:bodyPr rtlCol="0" anchor="ctr"/>
+          <a:lstStyle/>
+          <a:p>
+            <a:pPr algn="ctr"/>
+            <a:endParaRPr lang="en-US"/>
+          </a:p>
+        </p:txBody>
+      </p:sp>
+      <p:sp>
+        <p:nvSpPr>
+          <p:cNvPr id="48" name="Rounded Rectangle 47">
+            <a:extLst>
+              <a:ext uri="{FF2B5EF4-FFF2-40B4-BE49-F238E27FC236}">
+                <a16:creationId xmlns:a16="http://schemas.microsoft.com/office/drawing/2014/main" id="{4E0F0648-CC32-DF41-BB3A-72B32579E79C}"/>
+              </a:ext>
+            </a:extLst>
+          </p:cNvPr>
+          <p:cNvSpPr/>
+          <p:nvPr/>
+        </p:nvSpPr>
+        <p:spPr>
+          <a:xfrm>
+            <a:off x="6223092" y="3252316"/>
+            <a:ext cx="695100" cy="1004494"/>
+          </a:xfrm>
+          <a:prstGeom prst="roundRect">
+            <a:avLst/>
+          </a:prstGeom>
+          <a:noFill/>
+        </p:spPr>
+        <p:style>
+          <a:lnRef idx="2">
+            <a:schemeClr val="accent1">
+              <a:shade val="50000"/>
+            </a:schemeClr>
+          </a:lnRef>
+          <a:fillRef idx="1">
+            <a:schemeClr val="accent1"/>
+          </a:fillRef>
+          <a:effectRef idx="0">
+            <a:schemeClr val="accent1"/>
+          </a:effectRef>
+          <a:fontRef idx="minor">
+            <a:schemeClr val="lt1"/>
+          </a:fontRef>
+        </p:style>
+        <p:txBody>
+          <a:bodyPr rtlCol="0" anchor="ctr"/>
+          <a:lstStyle/>
+          <a:p>
+            <a:pPr algn="ctr"/>
+            <a:endParaRPr lang="en-US"/>
+          </a:p>
+        </p:txBody>
+      </p:sp>
+      <p:sp>
+        <p:nvSpPr>
+          <p:cNvPr id="50" name="TextBox 49">
+            <a:extLst>
+              <a:ext uri="{FF2B5EF4-FFF2-40B4-BE49-F238E27FC236}">
+                <a16:creationId xmlns:a16="http://schemas.microsoft.com/office/drawing/2014/main" id="{16B36C2A-67BA-9646-975A-EE2DF809A8B3}"/>
               </a:ext>
             </a:extLst>
           </p:cNvPr>
@@ -4241,8 +4069,8 @@
         </p:nvSpPr>
         <p:spPr>
           <a:xfrm>
-            <a:off x="5087704" y="4882842"/>
-            <a:ext cx="685316" cy="646331"/>
+            <a:off x="6164775" y="4342308"/>
+            <a:ext cx="814390" cy="646331"/>
           </a:xfrm>
           <a:prstGeom prst="rect">
             <a:avLst/>
@@ -4250,40 +4078,118 @@
           <a:noFill/>
         </p:spPr>
         <p:txBody>
-          <a:bodyPr wrap="none" rtlCol="0">
+          <a:bodyPr wrap="square" rtlCol="0">
             <a:spAutoFit/>
           </a:bodyPr>
           <a:lstStyle/>
           <a:p>
             <a:r>
               <a:rPr lang="en-US" dirty="0"/>
-              <a:t>a gap</a:t>
+              <a:t>cluster</a:t>
             </a:r>
           </a:p>
           <a:p>
             <a:r>
               <a:rPr lang="en-US" dirty="0"/>
-              <a:t>here</a:t>
+              <a:t>  203</a:t>
+            </a:r>
+          </a:p>
+        </p:txBody>
+      </p:sp>
+      <p:sp>
+        <p:nvSpPr>
+          <p:cNvPr id="51" name="TextBox 50">
+            <a:extLst>
+              <a:ext uri="{FF2B5EF4-FFF2-40B4-BE49-F238E27FC236}">
+                <a16:creationId xmlns:a16="http://schemas.microsoft.com/office/drawing/2014/main" id="{28652887-0DC8-3E4A-9D96-89F185CDE96C}"/>
+              </a:ext>
+            </a:extLst>
+          </p:cNvPr>
+          <p:cNvSpPr txBox="1"/>
+          <p:nvPr/>
+        </p:nvSpPr>
+        <p:spPr>
+          <a:xfrm>
+            <a:off x="5250370" y="4342308"/>
+            <a:ext cx="814390" cy="646331"/>
+          </a:xfrm>
+          <a:prstGeom prst="rect">
+            <a:avLst/>
+          </a:prstGeom>
+          <a:noFill/>
+        </p:spPr>
+        <p:txBody>
+          <a:bodyPr wrap="square" rtlCol="0">
+            <a:spAutoFit/>
+          </a:bodyPr>
+          <a:lstStyle/>
+          <a:p>
+            <a:r>
+              <a:rPr lang="en-US" dirty="0"/>
+              <a:t>cluster</a:t>
+            </a:r>
+          </a:p>
+          <a:p>
+            <a:r>
+              <a:rPr lang="en-US" dirty="0"/>
+              <a:t>  202</a:t>
+            </a:r>
+          </a:p>
+        </p:txBody>
+      </p:sp>
+      <p:sp>
+        <p:nvSpPr>
+          <p:cNvPr id="49" name="TextBox 48">
+            <a:extLst>
+              <a:ext uri="{FF2B5EF4-FFF2-40B4-BE49-F238E27FC236}">
+                <a16:creationId xmlns:a16="http://schemas.microsoft.com/office/drawing/2014/main" id="{D8ABEA28-4619-2F47-B7B0-13D26406049F}"/>
+              </a:ext>
+            </a:extLst>
+          </p:cNvPr>
+          <p:cNvSpPr txBox="1"/>
+          <p:nvPr/>
+        </p:nvSpPr>
+        <p:spPr>
+          <a:xfrm>
+            <a:off x="5583386" y="5142075"/>
+            <a:ext cx="1279411" cy="369332"/>
+          </a:xfrm>
+          <a:prstGeom prst="rect">
+            <a:avLst/>
+          </a:prstGeom>
+          <a:noFill/>
+        </p:spPr>
+        <p:txBody>
+          <a:bodyPr wrap="square" rtlCol="0">
+            <a:spAutoFit/>
+          </a:bodyPr>
+          <a:lstStyle/>
+          <a:p>
+            <a:r>
+              <a:rPr lang="en-US" dirty="0"/>
+              <a:t>a gap here</a:t>
             </a:r>
           </a:p>
         </p:txBody>
       </p:sp>
       <p:cxnSp>
         <p:nvCxnSpPr>
-          <p:cNvPr id="41" name="Straight Connector 40">
-            <a:extLst>
-              <a:ext uri="{FF2B5EF4-FFF2-40B4-BE49-F238E27FC236}">
-                <a16:creationId xmlns:a16="http://schemas.microsoft.com/office/drawing/2014/main" id="{DBD3AF2C-45B1-0144-A429-77B96C00F620}"/>
-              </a:ext>
-            </a:extLst>
-          </p:cNvPr>
-          <p:cNvCxnSpPr/>
+          <p:cNvPr id="52" name="Straight Connector 51">
+            <a:extLst>
+              <a:ext uri="{FF2B5EF4-FFF2-40B4-BE49-F238E27FC236}">
+                <a16:creationId xmlns:a16="http://schemas.microsoft.com/office/drawing/2014/main" id="{AA2235E0-1BA5-8A46-93AF-448B3A2C5254}"/>
+              </a:ext>
+            </a:extLst>
+          </p:cNvPr>
+          <p:cNvCxnSpPr>
+            <a:cxnSpLocks/>
+          </p:cNvCxnSpPr>
           <p:nvPr/>
         </p:nvCxnSpPr>
         <p:spPr>
           <a:xfrm>
-            <a:off x="5063193" y="4335509"/>
-            <a:ext cx="0" cy="646331"/>
+            <a:off x="5174485" y="4369290"/>
+            <a:ext cx="0" cy="933174"/>
           </a:xfrm>
           <a:prstGeom prst="line">
             <a:avLst/>
@@ -4306,20 +4212,22 @@
       </p:cxnSp>
       <p:cxnSp>
         <p:nvCxnSpPr>
-          <p:cNvPr id="54" name="Straight Connector 53">
-            <a:extLst>
-              <a:ext uri="{FF2B5EF4-FFF2-40B4-BE49-F238E27FC236}">
-                <a16:creationId xmlns:a16="http://schemas.microsoft.com/office/drawing/2014/main" id="{6742E610-1B0D-4744-8097-E9058F95ACB7}"/>
-              </a:ext>
-            </a:extLst>
-          </p:cNvPr>
-          <p:cNvCxnSpPr/>
+          <p:cNvPr id="55" name="Straight Connector 54">
+            <a:extLst>
+              <a:ext uri="{FF2B5EF4-FFF2-40B4-BE49-F238E27FC236}">
+                <a16:creationId xmlns:a16="http://schemas.microsoft.com/office/drawing/2014/main" id="{7E8C8822-9327-1845-A96C-63DB9AEBE787}"/>
+              </a:ext>
+            </a:extLst>
+          </p:cNvPr>
+          <p:cNvCxnSpPr>
+            <a:cxnSpLocks/>
+          </p:cNvCxnSpPr>
           <p:nvPr/>
         </p:nvCxnSpPr>
         <p:spPr>
           <a:xfrm>
-            <a:off x="5768204" y="4335509"/>
-            <a:ext cx="0" cy="646331"/>
+            <a:off x="7015910" y="4369290"/>
+            <a:ext cx="0" cy="933174"/>
           </a:xfrm>
           <a:prstGeom prst="line">
             <a:avLst/>
@@ -4340,6 +4248,87 @@
           </a:fontRef>
         </p:style>
       </p:cxnSp>
+      <p:cxnSp>
+        <p:nvCxnSpPr>
+          <p:cNvPr id="6" name="Straight Arrow Connector 5">
+            <a:extLst>
+              <a:ext uri="{FF2B5EF4-FFF2-40B4-BE49-F238E27FC236}">
+                <a16:creationId xmlns:a16="http://schemas.microsoft.com/office/drawing/2014/main" id="{C088A233-A320-9847-878D-23DA09567538}"/>
+              </a:ext>
+            </a:extLst>
+          </p:cNvPr>
+          <p:cNvCxnSpPr/>
+          <p:nvPr/>
+        </p:nvCxnSpPr>
+        <p:spPr>
+          <a:xfrm>
+            <a:off x="5174485" y="5072825"/>
+            <a:ext cx="1841425" cy="0"/>
+          </a:xfrm>
+          <a:prstGeom prst="straightConnector1">
+            <a:avLst/>
+          </a:prstGeom>
+          <a:ln>
+            <a:headEnd type="triangle"/>
+            <a:tailEnd type="triangle"/>
+          </a:ln>
+        </p:spPr>
+        <p:style>
+          <a:lnRef idx="1">
+            <a:schemeClr val="accent1"/>
+          </a:lnRef>
+          <a:fillRef idx="0">
+            <a:schemeClr val="accent1"/>
+          </a:fillRef>
+          <a:effectRef idx="0">
+            <a:schemeClr val="accent1"/>
+          </a:effectRef>
+          <a:fontRef idx="minor">
+            <a:schemeClr val="tx1"/>
+          </a:fontRef>
+        </p:style>
+      </p:cxnSp>
+      <p:sp>
+        <p:nvSpPr>
+          <p:cNvPr id="56" name="TextBox 55">
+            <a:extLst>
+              <a:ext uri="{FF2B5EF4-FFF2-40B4-BE49-F238E27FC236}">
+                <a16:creationId xmlns:a16="http://schemas.microsoft.com/office/drawing/2014/main" id="{3779447E-DFED-4745-98EC-D50945C2B9AF}"/>
+              </a:ext>
+            </a:extLst>
+          </p:cNvPr>
+          <p:cNvSpPr txBox="1"/>
+          <p:nvPr/>
+        </p:nvSpPr>
+        <p:spPr>
+          <a:xfrm>
+            <a:off x="5961953" y="1485737"/>
+            <a:ext cx="1510848" cy="646331"/>
+          </a:xfrm>
+          <a:prstGeom prst="rect">
+            <a:avLst/>
+          </a:prstGeom>
+          <a:noFill/>
+        </p:spPr>
+        <p:txBody>
+          <a:bodyPr wrap="square" rtlCol="0">
+            <a:spAutoFit/>
+          </a:bodyPr>
+          <a:lstStyle/>
+          <a:p>
+            <a:r>
+              <a:rPr lang="en-US" dirty="0"/>
+              <a:t>run1: 200-201</a:t>
+            </a:r>
+          </a:p>
+          <a:p>
+            <a:r>
+              <a:rPr lang="en-US" dirty="0"/>
+              <a:t>run2: 204</a:t>
+            </a:r>
+          </a:p>
+        </p:txBody>
+      </p:sp>
     </p:spTree>
     <p:extLst>
       <p:ext uri="{BB962C8B-B14F-4D97-AF65-F5344CB8AC3E}">

--- a/dfr_metadata/book_chapter/fig/ntfs.pptx
+++ b/dfr_metadata/book_chapter/fig/ntfs.pptx
@@ -53,7 +53,7 @@
       </p:grpSpPr>
       <p:sp>
         <p:nvSpPr>
-          <p:cNvPr id="26" name="PlaceHolder 1"/>
+          <p:cNvPr id="22" name="PlaceHolder 1"/>
           <p:cNvSpPr>
             <a:spLocks noGrp="1"/>
           </p:cNvSpPr>
@@ -64,7 +64,7 @@
         <p:spPr>
           <a:xfrm>
             <a:off x="1142640" y="1122480"/>
-            <a:ext cx="6857640" cy="2387160"/>
+            <a:ext cx="6857280" cy="2386800"/>
           </a:xfrm>
           <a:prstGeom prst="rect">
             <a:avLst/>
@@ -79,18 +79,16 @@
             <a:noAutofit/>
           </a:bodyPr>
           <a:p>
-            <a:endParaRPr b="0" lang="en-US" sz="1800" spc="-1" strike="noStrike">
-              <a:solidFill>
-                <a:srgbClr val="000000"/>
-              </a:solidFill>
-              <a:latin typeface="Calibri"/>
-            </a:endParaRPr>
-          </a:p>
-        </p:txBody>
-      </p:sp>
-      <p:sp>
-        <p:nvSpPr>
-          <p:cNvPr id="27" name="PlaceHolder 2"/>
+            <a:pPr algn="ctr"/>
+            <a:endParaRPr b="0" lang="en-US" sz="4400" spc="-1" strike="noStrike">
+              <a:latin typeface="Arial"/>
+            </a:endParaRPr>
+          </a:p>
+        </p:txBody>
+      </p:sp>
+      <p:sp>
+        <p:nvSpPr>
+          <p:cNvPr id="23" name="PlaceHolder 2"/>
           <p:cNvSpPr>
             <a:spLocks noGrp="1"/>
           </p:cNvSpPr>
@@ -116,18 +114,15 @@
             <a:normAutofit/>
           </a:bodyPr>
           <a:p>
-            <a:endParaRPr b="0" lang="en-US" sz="2800" spc="-1" strike="noStrike">
-              <a:solidFill>
-                <a:srgbClr val="000000"/>
-              </a:solidFill>
-              <a:latin typeface="Calibri"/>
-            </a:endParaRPr>
-          </a:p>
-        </p:txBody>
-      </p:sp>
-      <p:sp>
-        <p:nvSpPr>
-          <p:cNvPr id="28" name="PlaceHolder 3"/>
+            <a:endParaRPr b="0" lang="en-US" sz="3200" spc="-1" strike="noStrike">
+              <a:latin typeface="Arial"/>
+            </a:endParaRPr>
+          </a:p>
+        </p:txBody>
+      </p:sp>
+      <p:sp>
+        <p:nvSpPr>
+          <p:cNvPr id="24" name="PlaceHolder 3"/>
           <p:cNvSpPr>
             <a:spLocks noGrp="1"/>
           </p:cNvSpPr>
@@ -153,11 +148,8 @@
             <a:normAutofit/>
           </a:bodyPr>
           <a:p>
-            <a:endParaRPr b="0" lang="en-US" sz="2800" spc="-1" strike="noStrike">
-              <a:solidFill>
-                <a:srgbClr val="000000"/>
-              </a:solidFill>
-              <a:latin typeface="Calibri"/>
+            <a:endParaRPr b="0" lang="en-US" sz="3200" spc="-1" strike="noStrike">
+              <a:latin typeface="Arial"/>
             </a:endParaRPr>
           </a:p>
         </p:txBody>
@@ -186,7 +178,7 @@
       </p:grpSpPr>
       <p:sp>
         <p:nvSpPr>
-          <p:cNvPr id="29" name="PlaceHolder 1"/>
+          <p:cNvPr id="25" name="PlaceHolder 1"/>
           <p:cNvSpPr>
             <a:spLocks noGrp="1"/>
           </p:cNvSpPr>
@@ -197,7 +189,7 @@
         <p:spPr>
           <a:xfrm>
             <a:off x="1142640" y="1122480"/>
-            <a:ext cx="6857640" cy="2387160"/>
+            <a:ext cx="6857280" cy="2386800"/>
           </a:xfrm>
           <a:prstGeom prst="rect">
             <a:avLst/>
@@ -212,18 +204,16 @@
             <a:noAutofit/>
           </a:bodyPr>
           <a:p>
-            <a:endParaRPr b="0" lang="en-US" sz="1800" spc="-1" strike="noStrike">
-              <a:solidFill>
-                <a:srgbClr val="000000"/>
-              </a:solidFill>
-              <a:latin typeface="Calibri"/>
-            </a:endParaRPr>
-          </a:p>
-        </p:txBody>
-      </p:sp>
-      <p:sp>
-        <p:nvSpPr>
-          <p:cNvPr id="30" name="PlaceHolder 2"/>
+            <a:pPr algn="ctr"/>
+            <a:endParaRPr b="0" lang="en-US" sz="4400" spc="-1" strike="noStrike">
+              <a:latin typeface="Arial"/>
+            </a:endParaRPr>
+          </a:p>
+        </p:txBody>
+      </p:sp>
+      <p:sp>
+        <p:nvSpPr>
+          <p:cNvPr id="26" name="PlaceHolder 2"/>
           <p:cNvSpPr>
             <a:spLocks noGrp="1"/>
           </p:cNvSpPr>
@@ -249,18 +239,15 @@
             <a:normAutofit/>
           </a:bodyPr>
           <a:p>
-            <a:endParaRPr b="0" lang="en-US" sz="2800" spc="-1" strike="noStrike">
-              <a:solidFill>
-                <a:srgbClr val="000000"/>
-              </a:solidFill>
-              <a:latin typeface="Calibri"/>
-            </a:endParaRPr>
-          </a:p>
-        </p:txBody>
-      </p:sp>
-      <p:sp>
-        <p:nvSpPr>
-          <p:cNvPr id="31" name="PlaceHolder 3"/>
+            <a:endParaRPr b="0" lang="en-US" sz="3200" spc="-1" strike="noStrike">
+              <a:latin typeface="Arial"/>
+            </a:endParaRPr>
+          </a:p>
+        </p:txBody>
+      </p:sp>
+      <p:sp>
+        <p:nvSpPr>
+          <p:cNvPr id="27" name="PlaceHolder 3"/>
           <p:cNvSpPr>
             <a:spLocks noGrp="1"/>
           </p:cNvSpPr>
@@ -286,18 +273,15 @@
             <a:normAutofit/>
           </a:bodyPr>
           <a:p>
-            <a:endParaRPr b="0" lang="en-US" sz="2800" spc="-1" strike="noStrike">
-              <a:solidFill>
-                <a:srgbClr val="000000"/>
-              </a:solidFill>
-              <a:latin typeface="Calibri"/>
-            </a:endParaRPr>
-          </a:p>
-        </p:txBody>
-      </p:sp>
-      <p:sp>
-        <p:nvSpPr>
-          <p:cNvPr id="32" name="PlaceHolder 4"/>
+            <a:endParaRPr b="0" lang="en-US" sz="3200" spc="-1" strike="noStrike">
+              <a:latin typeface="Arial"/>
+            </a:endParaRPr>
+          </a:p>
+        </p:txBody>
+      </p:sp>
+      <p:sp>
+        <p:nvSpPr>
+          <p:cNvPr id="28" name="PlaceHolder 4"/>
           <p:cNvSpPr>
             <a:spLocks noGrp="1"/>
           </p:cNvSpPr>
@@ -323,18 +307,15 @@
             <a:normAutofit/>
           </a:bodyPr>
           <a:p>
-            <a:endParaRPr b="0" lang="en-US" sz="2800" spc="-1" strike="noStrike">
-              <a:solidFill>
-                <a:srgbClr val="000000"/>
-              </a:solidFill>
-              <a:latin typeface="Calibri"/>
-            </a:endParaRPr>
-          </a:p>
-        </p:txBody>
-      </p:sp>
-      <p:sp>
-        <p:nvSpPr>
-          <p:cNvPr id="33" name="PlaceHolder 5"/>
+            <a:endParaRPr b="0" lang="en-US" sz="3200" spc="-1" strike="noStrike">
+              <a:latin typeface="Arial"/>
+            </a:endParaRPr>
+          </a:p>
+        </p:txBody>
+      </p:sp>
+      <p:sp>
+        <p:nvSpPr>
+          <p:cNvPr id="29" name="PlaceHolder 5"/>
           <p:cNvSpPr>
             <a:spLocks noGrp="1"/>
           </p:cNvSpPr>
@@ -360,11 +341,8 @@
             <a:normAutofit/>
           </a:bodyPr>
           <a:p>
-            <a:endParaRPr b="0" lang="en-US" sz="2800" spc="-1" strike="noStrike">
-              <a:solidFill>
-                <a:srgbClr val="000000"/>
-              </a:solidFill>
-              <a:latin typeface="Calibri"/>
+            <a:endParaRPr b="0" lang="en-US" sz="3200" spc="-1" strike="noStrike">
+              <a:latin typeface="Arial"/>
             </a:endParaRPr>
           </a:p>
         </p:txBody>
@@ -393,7 +371,7 @@
       </p:grpSpPr>
       <p:sp>
         <p:nvSpPr>
-          <p:cNvPr id="34" name="PlaceHolder 1"/>
+          <p:cNvPr id="30" name="PlaceHolder 1"/>
           <p:cNvSpPr>
             <a:spLocks noGrp="1"/>
           </p:cNvSpPr>
@@ -404,7 +382,7 @@
         <p:spPr>
           <a:xfrm>
             <a:off x="1142640" y="1122480"/>
-            <a:ext cx="6857640" cy="2387160"/>
+            <a:ext cx="6857280" cy="2386800"/>
           </a:xfrm>
           <a:prstGeom prst="rect">
             <a:avLst/>
@@ -419,18 +397,16 @@
             <a:noAutofit/>
           </a:bodyPr>
           <a:p>
-            <a:endParaRPr b="0" lang="en-US" sz="1800" spc="-1" strike="noStrike">
-              <a:solidFill>
-                <a:srgbClr val="000000"/>
-              </a:solidFill>
-              <a:latin typeface="Calibri"/>
-            </a:endParaRPr>
-          </a:p>
-        </p:txBody>
-      </p:sp>
-      <p:sp>
-        <p:nvSpPr>
-          <p:cNvPr id="35" name="PlaceHolder 2"/>
+            <a:pPr algn="ctr"/>
+            <a:endParaRPr b="0" lang="en-US" sz="4400" spc="-1" strike="noStrike">
+              <a:latin typeface="Arial"/>
+            </a:endParaRPr>
+          </a:p>
+        </p:txBody>
+      </p:sp>
+      <p:sp>
+        <p:nvSpPr>
+          <p:cNvPr id="31" name="PlaceHolder 2"/>
           <p:cNvSpPr>
             <a:spLocks noGrp="1"/>
           </p:cNvSpPr>
@@ -456,18 +432,15 @@
             <a:normAutofit/>
           </a:bodyPr>
           <a:p>
-            <a:endParaRPr b="0" lang="en-US" sz="2800" spc="-1" strike="noStrike">
-              <a:solidFill>
-                <a:srgbClr val="000000"/>
-              </a:solidFill>
-              <a:latin typeface="Calibri"/>
-            </a:endParaRPr>
-          </a:p>
-        </p:txBody>
-      </p:sp>
-      <p:sp>
-        <p:nvSpPr>
-          <p:cNvPr id="36" name="PlaceHolder 3"/>
+            <a:endParaRPr b="0" lang="en-US" sz="3200" spc="-1" strike="noStrike">
+              <a:latin typeface="Arial"/>
+            </a:endParaRPr>
+          </a:p>
+        </p:txBody>
+      </p:sp>
+      <p:sp>
+        <p:nvSpPr>
+          <p:cNvPr id="32" name="PlaceHolder 3"/>
           <p:cNvSpPr>
             <a:spLocks noGrp="1"/>
           </p:cNvSpPr>
@@ -493,18 +466,15 @@
             <a:normAutofit/>
           </a:bodyPr>
           <a:p>
-            <a:endParaRPr b="0" lang="en-US" sz="2800" spc="-1" strike="noStrike">
-              <a:solidFill>
-                <a:srgbClr val="000000"/>
-              </a:solidFill>
-              <a:latin typeface="Calibri"/>
-            </a:endParaRPr>
-          </a:p>
-        </p:txBody>
-      </p:sp>
-      <p:sp>
-        <p:nvSpPr>
-          <p:cNvPr id="37" name="PlaceHolder 4"/>
+            <a:endParaRPr b="0" lang="en-US" sz="3200" spc="-1" strike="noStrike">
+              <a:latin typeface="Arial"/>
+            </a:endParaRPr>
+          </a:p>
+        </p:txBody>
+      </p:sp>
+      <p:sp>
+        <p:nvSpPr>
+          <p:cNvPr id="33" name="PlaceHolder 4"/>
           <p:cNvSpPr>
             <a:spLocks noGrp="1"/>
           </p:cNvSpPr>
@@ -530,18 +500,15 @@
             <a:normAutofit/>
           </a:bodyPr>
           <a:p>
-            <a:endParaRPr b="0" lang="en-US" sz="2800" spc="-1" strike="noStrike">
-              <a:solidFill>
-                <a:srgbClr val="000000"/>
-              </a:solidFill>
-              <a:latin typeface="Calibri"/>
-            </a:endParaRPr>
-          </a:p>
-        </p:txBody>
-      </p:sp>
-      <p:sp>
-        <p:nvSpPr>
-          <p:cNvPr id="38" name="PlaceHolder 5"/>
+            <a:endParaRPr b="0" lang="en-US" sz="3200" spc="-1" strike="noStrike">
+              <a:latin typeface="Arial"/>
+            </a:endParaRPr>
+          </a:p>
+        </p:txBody>
+      </p:sp>
+      <p:sp>
+        <p:nvSpPr>
+          <p:cNvPr id="34" name="PlaceHolder 5"/>
           <p:cNvSpPr>
             <a:spLocks noGrp="1"/>
           </p:cNvSpPr>
@@ -567,18 +534,15 @@
             <a:normAutofit/>
           </a:bodyPr>
           <a:p>
-            <a:endParaRPr b="0" lang="en-US" sz="2800" spc="-1" strike="noStrike">
-              <a:solidFill>
-                <a:srgbClr val="000000"/>
-              </a:solidFill>
-              <a:latin typeface="Calibri"/>
-            </a:endParaRPr>
-          </a:p>
-        </p:txBody>
-      </p:sp>
-      <p:sp>
-        <p:nvSpPr>
-          <p:cNvPr id="39" name="PlaceHolder 6"/>
+            <a:endParaRPr b="0" lang="en-US" sz="3200" spc="-1" strike="noStrike">
+              <a:latin typeface="Arial"/>
+            </a:endParaRPr>
+          </a:p>
+        </p:txBody>
+      </p:sp>
+      <p:sp>
+        <p:nvSpPr>
+          <p:cNvPr id="35" name="PlaceHolder 6"/>
           <p:cNvSpPr>
             <a:spLocks noGrp="1"/>
           </p:cNvSpPr>
@@ -604,18 +568,15 @@
             <a:normAutofit/>
           </a:bodyPr>
           <a:p>
-            <a:endParaRPr b="0" lang="en-US" sz="2800" spc="-1" strike="noStrike">
-              <a:solidFill>
-                <a:srgbClr val="000000"/>
-              </a:solidFill>
-              <a:latin typeface="Calibri"/>
-            </a:endParaRPr>
-          </a:p>
-        </p:txBody>
-      </p:sp>
-      <p:sp>
-        <p:nvSpPr>
-          <p:cNvPr id="40" name="PlaceHolder 7"/>
+            <a:endParaRPr b="0" lang="en-US" sz="3200" spc="-1" strike="noStrike">
+              <a:latin typeface="Arial"/>
+            </a:endParaRPr>
+          </a:p>
+        </p:txBody>
+      </p:sp>
+      <p:sp>
+        <p:nvSpPr>
+          <p:cNvPr id="36" name="PlaceHolder 7"/>
           <p:cNvSpPr>
             <a:spLocks noGrp="1"/>
           </p:cNvSpPr>
@@ -641,11 +602,8 @@
             <a:normAutofit/>
           </a:bodyPr>
           <a:p>
-            <a:endParaRPr b="0" lang="en-US" sz="2800" spc="-1" strike="noStrike">
-              <a:solidFill>
-                <a:srgbClr val="000000"/>
-              </a:solidFill>
-              <a:latin typeface="Calibri"/>
+            <a:endParaRPr b="0" lang="en-US" sz="3200" spc="-1" strike="noStrike">
+              <a:latin typeface="Arial"/>
             </a:endParaRPr>
           </a:p>
         </p:txBody>
@@ -674,7 +632,7 @@
       </p:grpSpPr>
       <p:sp>
         <p:nvSpPr>
-          <p:cNvPr id="5" name="PlaceHolder 1"/>
+          <p:cNvPr id="1" name="PlaceHolder 1"/>
           <p:cNvSpPr>
             <a:spLocks noGrp="1"/>
           </p:cNvSpPr>
@@ -685,7 +643,7 @@
         <p:spPr>
           <a:xfrm>
             <a:off x="1142640" y="1122480"/>
-            <a:ext cx="6857640" cy="2387160"/>
+            <a:ext cx="6857280" cy="2386800"/>
           </a:xfrm>
           <a:prstGeom prst="rect">
             <a:avLst/>
@@ -700,18 +658,16 @@
             <a:noAutofit/>
           </a:bodyPr>
           <a:p>
-            <a:endParaRPr b="0" lang="en-US" sz="1800" spc="-1" strike="noStrike">
-              <a:solidFill>
-                <a:srgbClr val="000000"/>
-              </a:solidFill>
-              <a:latin typeface="Calibri"/>
-            </a:endParaRPr>
-          </a:p>
-        </p:txBody>
-      </p:sp>
-      <p:sp>
-        <p:nvSpPr>
-          <p:cNvPr id="6" name="PlaceHolder 2"/>
+            <a:pPr algn="ctr"/>
+            <a:endParaRPr b="0" lang="en-US" sz="4400" spc="-1" strike="noStrike">
+              <a:latin typeface="Arial"/>
+            </a:endParaRPr>
+          </a:p>
+        </p:txBody>
+      </p:sp>
+      <p:sp>
+        <p:nvSpPr>
+          <p:cNvPr id="2" name="PlaceHolder 2"/>
           <p:cNvSpPr>
             <a:spLocks noGrp="1"/>
           </p:cNvSpPr>
@@ -768,7 +724,7 @@
       </p:grpSpPr>
       <p:sp>
         <p:nvSpPr>
-          <p:cNvPr id="7" name="PlaceHolder 1"/>
+          <p:cNvPr id="3" name="PlaceHolder 1"/>
           <p:cNvSpPr>
             <a:spLocks noGrp="1"/>
           </p:cNvSpPr>
@@ -779,7 +735,7 @@
         <p:spPr>
           <a:xfrm>
             <a:off x="1142640" y="1122480"/>
-            <a:ext cx="6857640" cy="2387160"/>
+            <a:ext cx="6857280" cy="2386800"/>
           </a:xfrm>
           <a:prstGeom prst="rect">
             <a:avLst/>
@@ -794,18 +750,16 @@
             <a:noAutofit/>
           </a:bodyPr>
           <a:p>
-            <a:endParaRPr b="0" lang="en-US" sz="1800" spc="-1" strike="noStrike">
-              <a:solidFill>
-                <a:srgbClr val="000000"/>
-              </a:solidFill>
-              <a:latin typeface="Calibri"/>
-            </a:endParaRPr>
-          </a:p>
-        </p:txBody>
-      </p:sp>
-      <p:sp>
-        <p:nvSpPr>
-          <p:cNvPr id="8" name="PlaceHolder 2"/>
+            <a:pPr algn="ctr"/>
+            <a:endParaRPr b="0" lang="en-US" sz="4400" spc="-1" strike="noStrike">
+              <a:latin typeface="Arial"/>
+            </a:endParaRPr>
+          </a:p>
+        </p:txBody>
+      </p:sp>
+      <p:sp>
+        <p:nvSpPr>
+          <p:cNvPr id="4" name="PlaceHolder 2"/>
           <p:cNvSpPr>
             <a:spLocks noGrp="1"/>
           </p:cNvSpPr>
@@ -831,11 +785,8 @@
             <a:normAutofit/>
           </a:bodyPr>
           <a:p>
-            <a:endParaRPr b="0" lang="en-US" sz="2800" spc="-1" strike="noStrike">
-              <a:solidFill>
-                <a:srgbClr val="000000"/>
-              </a:solidFill>
-              <a:latin typeface="Calibri"/>
+            <a:endParaRPr b="0" lang="en-US" sz="3200" spc="-1" strike="noStrike">
+              <a:latin typeface="Arial"/>
             </a:endParaRPr>
           </a:p>
         </p:txBody>
@@ -864,7 +815,7 @@
       </p:grpSpPr>
       <p:sp>
         <p:nvSpPr>
-          <p:cNvPr id="9" name="PlaceHolder 1"/>
+          <p:cNvPr id="5" name="PlaceHolder 1"/>
           <p:cNvSpPr>
             <a:spLocks noGrp="1"/>
           </p:cNvSpPr>
@@ -875,7 +826,7 @@
         <p:spPr>
           <a:xfrm>
             <a:off x="1142640" y="1122480"/>
-            <a:ext cx="6857640" cy="2387160"/>
+            <a:ext cx="6857280" cy="2386800"/>
           </a:xfrm>
           <a:prstGeom prst="rect">
             <a:avLst/>
@@ -890,18 +841,16 @@
             <a:noAutofit/>
           </a:bodyPr>
           <a:p>
-            <a:endParaRPr b="0" lang="en-US" sz="1800" spc="-1" strike="noStrike">
-              <a:solidFill>
-                <a:srgbClr val="000000"/>
-              </a:solidFill>
-              <a:latin typeface="Calibri"/>
-            </a:endParaRPr>
-          </a:p>
-        </p:txBody>
-      </p:sp>
-      <p:sp>
-        <p:nvSpPr>
-          <p:cNvPr id="10" name="PlaceHolder 2"/>
+            <a:pPr algn="ctr"/>
+            <a:endParaRPr b="0" lang="en-US" sz="4400" spc="-1" strike="noStrike">
+              <a:latin typeface="Arial"/>
+            </a:endParaRPr>
+          </a:p>
+        </p:txBody>
+      </p:sp>
+      <p:sp>
+        <p:nvSpPr>
+          <p:cNvPr id="6" name="PlaceHolder 2"/>
           <p:cNvSpPr>
             <a:spLocks noGrp="1"/>
           </p:cNvSpPr>
@@ -927,18 +876,15 @@
             <a:normAutofit/>
           </a:bodyPr>
           <a:p>
-            <a:endParaRPr b="0" lang="en-US" sz="2800" spc="-1" strike="noStrike">
-              <a:solidFill>
-                <a:srgbClr val="000000"/>
-              </a:solidFill>
-              <a:latin typeface="Calibri"/>
-            </a:endParaRPr>
-          </a:p>
-        </p:txBody>
-      </p:sp>
-      <p:sp>
-        <p:nvSpPr>
-          <p:cNvPr id="11" name="PlaceHolder 3"/>
+            <a:endParaRPr b="0" lang="en-US" sz="3200" spc="-1" strike="noStrike">
+              <a:latin typeface="Arial"/>
+            </a:endParaRPr>
+          </a:p>
+        </p:txBody>
+      </p:sp>
+      <p:sp>
+        <p:nvSpPr>
+          <p:cNvPr id="7" name="PlaceHolder 3"/>
           <p:cNvSpPr>
             <a:spLocks noGrp="1"/>
           </p:cNvSpPr>
@@ -964,11 +910,8 @@
             <a:normAutofit/>
           </a:bodyPr>
           <a:p>
-            <a:endParaRPr b="0" lang="en-US" sz="2800" spc="-1" strike="noStrike">
-              <a:solidFill>
-                <a:srgbClr val="000000"/>
-              </a:solidFill>
-              <a:latin typeface="Calibri"/>
+            <a:endParaRPr b="0" lang="en-US" sz="3200" spc="-1" strike="noStrike">
+              <a:latin typeface="Arial"/>
             </a:endParaRPr>
           </a:p>
         </p:txBody>
@@ -997,7 +940,7 @@
       </p:grpSpPr>
       <p:sp>
         <p:nvSpPr>
-          <p:cNvPr id="12" name="PlaceHolder 1"/>
+          <p:cNvPr id="8" name="PlaceHolder 1"/>
           <p:cNvSpPr>
             <a:spLocks noGrp="1"/>
           </p:cNvSpPr>
@@ -1008,7 +951,7 @@
         <p:spPr>
           <a:xfrm>
             <a:off x="1142640" y="1122480"/>
-            <a:ext cx="6857640" cy="2387160"/>
+            <a:ext cx="6857280" cy="2386800"/>
           </a:xfrm>
           <a:prstGeom prst="rect">
             <a:avLst/>
@@ -1023,11 +966,9 @@
             <a:noAutofit/>
           </a:bodyPr>
           <a:p>
-            <a:endParaRPr b="0" lang="en-US" sz="1800" spc="-1" strike="noStrike">
-              <a:solidFill>
-                <a:srgbClr val="000000"/>
-              </a:solidFill>
-              <a:latin typeface="Calibri"/>
+            <a:pPr algn="ctr"/>
+            <a:endParaRPr b="0" lang="en-US" sz="4400" spc="-1" strike="noStrike">
+              <a:latin typeface="Arial"/>
             </a:endParaRPr>
           </a:p>
         </p:txBody>
@@ -1056,7 +997,7 @@
       </p:grpSpPr>
       <p:sp>
         <p:nvSpPr>
-          <p:cNvPr id="13" name="PlaceHolder 1"/>
+          <p:cNvPr id="9" name="PlaceHolder 1"/>
           <p:cNvSpPr>
             <a:spLocks noGrp="1"/>
           </p:cNvSpPr>
@@ -1067,7 +1008,7 @@
         <p:spPr>
           <a:xfrm>
             <a:off x="1142640" y="1122480"/>
-            <a:ext cx="6857640" cy="11066760"/>
+            <a:ext cx="6857280" cy="11064960"/>
           </a:xfrm>
           <a:prstGeom prst="rect">
             <a:avLst/>
@@ -1113,7 +1054,7 @@
       </p:grpSpPr>
       <p:sp>
         <p:nvSpPr>
-          <p:cNvPr id="14" name="PlaceHolder 1"/>
+          <p:cNvPr id="10" name="PlaceHolder 1"/>
           <p:cNvSpPr>
             <a:spLocks noGrp="1"/>
           </p:cNvSpPr>
@@ -1124,7 +1065,7 @@
         <p:spPr>
           <a:xfrm>
             <a:off x="1142640" y="1122480"/>
-            <a:ext cx="6857640" cy="2387160"/>
+            <a:ext cx="6857280" cy="2386800"/>
           </a:xfrm>
           <a:prstGeom prst="rect">
             <a:avLst/>
@@ -1139,18 +1080,16 @@
             <a:noAutofit/>
           </a:bodyPr>
           <a:p>
-            <a:endParaRPr b="0" lang="en-US" sz="1800" spc="-1" strike="noStrike">
-              <a:solidFill>
-                <a:srgbClr val="000000"/>
-              </a:solidFill>
-              <a:latin typeface="Calibri"/>
-            </a:endParaRPr>
-          </a:p>
-        </p:txBody>
-      </p:sp>
-      <p:sp>
-        <p:nvSpPr>
-          <p:cNvPr id="15" name="PlaceHolder 2"/>
+            <a:pPr algn="ctr"/>
+            <a:endParaRPr b="0" lang="en-US" sz="4400" spc="-1" strike="noStrike">
+              <a:latin typeface="Arial"/>
+            </a:endParaRPr>
+          </a:p>
+        </p:txBody>
+      </p:sp>
+      <p:sp>
+        <p:nvSpPr>
+          <p:cNvPr id="11" name="PlaceHolder 2"/>
           <p:cNvSpPr>
             <a:spLocks noGrp="1"/>
           </p:cNvSpPr>
@@ -1176,18 +1115,15 @@
             <a:normAutofit/>
           </a:bodyPr>
           <a:p>
-            <a:endParaRPr b="0" lang="en-US" sz="2800" spc="-1" strike="noStrike">
-              <a:solidFill>
-                <a:srgbClr val="000000"/>
-              </a:solidFill>
-              <a:latin typeface="Calibri"/>
-            </a:endParaRPr>
-          </a:p>
-        </p:txBody>
-      </p:sp>
-      <p:sp>
-        <p:nvSpPr>
-          <p:cNvPr id="16" name="PlaceHolder 3"/>
+            <a:endParaRPr b="0" lang="en-US" sz="3200" spc="-1" strike="noStrike">
+              <a:latin typeface="Arial"/>
+            </a:endParaRPr>
+          </a:p>
+        </p:txBody>
+      </p:sp>
+      <p:sp>
+        <p:nvSpPr>
+          <p:cNvPr id="12" name="PlaceHolder 3"/>
           <p:cNvSpPr>
             <a:spLocks noGrp="1"/>
           </p:cNvSpPr>
@@ -1213,18 +1149,15 @@
             <a:normAutofit/>
           </a:bodyPr>
           <a:p>
-            <a:endParaRPr b="0" lang="en-US" sz="2800" spc="-1" strike="noStrike">
-              <a:solidFill>
-                <a:srgbClr val="000000"/>
-              </a:solidFill>
-              <a:latin typeface="Calibri"/>
-            </a:endParaRPr>
-          </a:p>
-        </p:txBody>
-      </p:sp>
-      <p:sp>
-        <p:nvSpPr>
-          <p:cNvPr id="17" name="PlaceHolder 4"/>
+            <a:endParaRPr b="0" lang="en-US" sz="3200" spc="-1" strike="noStrike">
+              <a:latin typeface="Arial"/>
+            </a:endParaRPr>
+          </a:p>
+        </p:txBody>
+      </p:sp>
+      <p:sp>
+        <p:nvSpPr>
+          <p:cNvPr id="13" name="PlaceHolder 4"/>
           <p:cNvSpPr>
             <a:spLocks noGrp="1"/>
           </p:cNvSpPr>
@@ -1250,11 +1183,8 @@
             <a:normAutofit/>
           </a:bodyPr>
           <a:p>
-            <a:endParaRPr b="0" lang="en-US" sz="2800" spc="-1" strike="noStrike">
-              <a:solidFill>
-                <a:srgbClr val="000000"/>
-              </a:solidFill>
-              <a:latin typeface="Calibri"/>
+            <a:endParaRPr b="0" lang="en-US" sz="3200" spc="-1" strike="noStrike">
+              <a:latin typeface="Arial"/>
             </a:endParaRPr>
           </a:p>
         </p:txBody>
@@ -1283,7 +1213,7 @@
       </p:grpSpPr>
       <p:sp>
         <p:nvSpPr>
-          <p:cNvPr id="18" name="PlaceHolder 1"/>
+          <p:cNvPr id="14" name="PlaceHolder 1"/>
           <p:cNvSpPr>
             <a:spLocks noGrp="1"/>
           </p:cNvSpPr>
@@ -1294,7 +1224,7 @@
         <p:spPr>
           <a:xfrm>
             <a:off x="1142640" y="1122480"/>
-            <a:ext cx="6857640" cy="2387160"/>
+            <a:ext cx="6857280" cy="2386800"/>
           </a:xfrm>
           <a:prstGeom prst="rect">
             <a:avLst/>
@@ -1309,18 +1239,16 @@
             <a:noAutofit/>
           </a:bodyPr>
           <a:p>
-            <a:endParaRPr b="0" lang="en-US" sz="1800" spc="-1" strike="noStrike">
-              <a:solidFill>
-                <a:srgbClr val="000000"/>
-              </a:solidFill>
-              <a:latin typeface="Calibri"/>
-            </a:endParaRPr>
-          </a:p>
-        </p:txBody>
-      </p:sp>
-      <p:sp>
-        <p:nvSpPr>
-          <p:cNvPr id="19" name="PlaceHolder 2"/>
+            <a:pPr algn="ctr"/>
+            <a:endParaRPr b="0" lang="en-US" sz="4400" spc="-1" strike="noStrike">
+              <a:latin typeface="Arial"/>
+            </a:endParaRPr>
+          </a:p>
+        </p:txBody>
+      </p:sp>
+      <p:sp>
+        <p:nvSpPr>
+          <p:cNvPr id="15" name="PlaceHolder 2"/>
           <p:cNvSpPr>
             <a:spLocks noGrp="1"/>
           </p:cNvSpPr>
@@ -1346,18 +1274,15 @@
             <a:normAutofit/>
           </a:bodyPr>
           <a:p>
-            <a:endParaRPr b="0" lang="en-US" sz="2800" spc="-1" strike="noStrike">
-              <a:solidFill>
-                <a:srgbClr val="000000"/>
-              </a:solidFill>
-              <a:latin typeface="Calibri"/>
-            </a:endParaRPr>
-          </a:p>
-        </p:txBody>
-      </p:sp>
-      <p:sp>
-        <p:nvSpPr>
-          <p:cNvPr id="20" name="PlaceHolder 3"/>
+            <a:endParaRPr b="0" lang="en-US" sz="3200" spc="-1" strike="noStrike">
+              <a:latin typeface="Arial"/>
+            </a:endParaRPr>
+          </a:p>
+        </p:txBody>
+      </p:sp>
+      <p:sp>
+        <p:nvSpPr>
+          <p:cNvPr id="16" name="PlaceHolder 3"/>
           <p:cNvSpPr>
             <a:spLocks noGrp="1"/>
           </p:cNvSpPr>
@@ -1383,18 +1308,15 @@
             <a:normAutofit/>
           </a:bodyPr>
           <a:p>
-            <a:endParaRPr b="0" lang="en-US" sz="2800" spc="-1" strike="noStrike">
-              <a:solidFill>
-                <a:srgbClr val="000000"/>
-              </a:solidFill>
-              <a:latin typeface="Calibri"/>
-            </a:endParaRPr>
-          </a:p>
-        </p:txBody>
-      </p:sp>
-      <p:sp>
-        <p:nvSpPr>
-          <p:cNvPr id="21" name="PlaceHolder 4"/>
+            <a:endParaRPr b="0" lang="en-US" sz="3200" spc="-1" strike="noStrike">
+              <a:latin typeface="Arial"/>
+            </a:endParaRPr>
+          </a:p>
+        </p:txBody>
+      </p:sp>
+      <p:sp>
+        <p:nvSpPr>
+          <p:cNvPr id="17" name="PlaceHolder 4"/>
           <p:cNvSpPr>
             <a:spLocks noGrp="1"/>
           </p:cNvSpPr>
@@ -1420,11 +1342,8 @@
             <a:normAutofit/>
           </a:bodyPr>
           <a:p>
-            <a:endParaRPr b="0" lang="en-US" sz="2800" spc="-1" strike="noStrike">
-              <a:solidFill>
-                <a:srgbClr val="000000"/>
-              </a:solidFill>
-              <a:latin typeface="Calibri"/>
+            <a:endParaRPr b="0" lang="en-US" sz="3200" spc="-1" strike="noStrike">
+              <a:latin typeface="Arial"/>
             </a:endParaRPr>
           </a:p>
         </p:txBody>
@@ -1453,7 +1372,7 @@
       </p:grpSpPr>
       <p:sp>
         <p:nvSpPr>
-          <p:cNvPr id="22" name="PlaceHolder 1"/>
+          <p:cNvPr id="18" name="PlaceHolder 1"/>
           <p:cNvSpPr>
             <a:spLocks noGrp="1"/>
           </p:cNvSpPr>
@@ -1464,7 +1383,7 @@
         <p:spPr>
           <a:xfrm>
             <a:off x="1142640" y="1122480"/>
-            <a:ext cx="6857640" cy="2387160"/>
+            <a:ext cx="6857280" cy="2386800"/>
           </a:xfrm>
           <a:prstGeom prst="rect">
             <a:avLst/>
@@ -1479,18 +1398,16 @@
             <a:noAutofit/>
           </a:bodyPr>
           <a:p>
-            <a:endParaRPr b="0" lang="en-US" sz="1800" spc="-1" strike="noStrike">
-              <a:solidFill>
-                <a:srgbClr val="000000"/>
-              </a:solidFill>
-              <a:latin typeface="Calibri"/>
-            </a:endParaRPr>
-          </a:p>
-        </p:txBody>
-      </p:sp>
-      <p:sp>
-        <p:nvSpPr>
-          <p:cNvPr id="23" name="PlaceHolder 2"/>
+            <a:pPr algn="ctr"/>
+            <a:endParaRPr b="0" lang="en-US" sz="4400" spc="-1" strike="noStrike">
+              <a:latin typeface="Arial"/>
+            </a:endParaRPr>
+          </a:p>
+        </p:txBody>
+      </p:sp>
+      <p:sp>
+        <p:nvSpPr>
+          <p:cNvPr id="19" name="PlaceHolder 2"/>
           <p:cNvSpPr>
             <a:spLocks noGrp="1"/>
           </p:cNvSpPr>
@@ -1516,18 +1433,15 @@
             <a:normAutofit/>
           </a:bodyPr>
           <a:p>
-            <a:endParaRPr b="0" lang="en-US" sz="2800" spc="-1" strike="noStrike">
-              <a:solidFill>
-                <a:srgbClr val="000000"/>
-              </a:solidFill>
-              <a:latin typeface="Calibri"/>
-            </a:endParaRPr>
-          </a:p>
-        </p:txBody>
-      </p:sp>
-      <p:sp>
-        <p:nvSpPr>
-          <p:cNvPr id="24" name="PlaceHolder 3"/>
+            <a:endParaRPr b="0" lang="en-US" sz="3200" spc="-1" strike="noStrike">
+              <a:latin typeface="Arial"/>
+            </a:endParaRPr>
+          </a:p>
+        </p:txBody>
+      </p:sp>
+      <p:sp>
+        <p:nvSpPr>
+          <p:cNvPr id="20" name="PlaceHolder 3"/>
           <p:cNvSpPr>
             <a:spLocks noGrp="1"/>
           </p:cNvSpPr>
@@ -1553,18 +1467,15 @@
             <a:normAutofit/>
           </a:bodyPr>
           <a:p>
-            <a:endParaRPr b="0" lang="en-US" sz="2800" spc="-1" strike="noStrike">
-              <a:solidFill>
-                <a:srgbClr val="000000"/>
-              </a:solidFill>
-              <a:latin typeface="Calibri"/>
-            </a:endParaRPr>
-          </a:p>
-        </p:txBody>
-      </p:sp>
-      <p:sp>
-        <p:nvSpPr>
-          <p:cNvPr id="25" name="PlaceHolder 4"/>
+            <a:endParaRPr b="0" lang="en-US" sz="3200" spc="-1" strike="noStrike">
+              <a:latin typeface="Arial"/>
+            </a:endParaRPr>
+          </a:p>
+        </p:txBody>
+      </p:sp>
+      <p:sp>
+        <p:nvSpPr>
+          <p:cNvPr id="21" name="PlaceHolder 4"/>
           <p:cNvSpPr>
             <a:spLocks noGrp="1"/>
           </p:cNvSpPr>
@@ -1590,11 +1501,8 @@
             <a:normAutofit/>
           </a:bodyPr>
           <a:p>
-            <a:endParaRPr b="0" lang="en-US" sz="2800" spc="-1" strike="noStrike">
-              <a:solidFill>
-                <a:srgbClr val="000000"/>
-              </a:solidFill>
-              <a:latin typeface="Calibri"/>
+            <a:endParaRPr b="0" lang="en-US" sz="3200" spc="-1" strike="noStrike">
+              <a:latin typeface="Arial"/>
             </a:endParaRPr>
           </a:p>
         </p:txBody>
@@ -1641,395 +1549,29 @@
         <p:spPr>
           <a:xfrm>
             <a:off x="1142640" y="1122480"/>
-            <a:ext cx="6857640" cy="2387160"/>
-          </a:xfrm>
-          <a:prstGeom prst="rect">
-            <a:avLst/>
-          </a:prstGeom>
-          <a:noFill/>
-          <a:ln w="0">
-            <a:noFill/>
-          </a:ln>
-        </p:spPr>
-        <p:txBody>
-          <a:bodyPr anchor="b">
+            <a:ext cx="6857280" cy="2386800"/>
+          </a:xfrm>
+          <a:prstGeom prst="rect">
+            <a:avLst/>
+          </a:prstGeom>
+          <a:noFill/>
+          <a:ln w="0">
+            <a:noFill/>
+          </a:ln>
+        </p:spPr>
+        <p:txBody>
+          <a:bodyPr lIns="0" rIns="0" tIns="0" bIns="0" anchor="ctr">
             <a:noAutofit/>
           </a:bodyPr>
           <a:p>
-            <a:pPr algn="ctr">
-              <a:lnSpc>
-                <a:spcPct val="90000"/>
-              </a:lnSpc>
-            </a:pPr>
-            <a:r>
-              <a:rPr b="0" lang="en-US" sz="6000" spc="-1" strike="noStrike">
-                <a:solidFill>
-                  <a:srgbClr val="000000"/>
-                </a:solidFill>
-                <a:latin typeface="Calibri Light"/>
-              </a:rPr>
-              <a:t>Click to edit Master title style</a:t>
-            </a:r>
-            <a:endParaRPr b="0" lang="en-US" sz="6000" spc="-1" strike="noStrike">
-              <a:solidFill>
-                <a:srgbClr val="000000"/>
-              </a:solidFill>
-              <a:latin typeface="Calibri"/>
-            </a:endParaRPr>
-          </a:p>
-        </p:txBody>
-      </p:sp>
-      <p:sp>
-        <p:nvSpPr>
-          <p:cNvPr id="1" name="PlaceHolder 2"/>
-          <p:cNvSpPr>
-            <a:spLocks noGrp="1"/>
-          </p:cNvSpPr>
-          <p:nvPr>
-            <p:ph type="dt"/>
-          </p:nvPr>
-        </p:nvSpPr>
-        <p:spPr>
-          <a:xfrm>
-            <a:off x="628200" y="6356520"/>
-            <a:ext cx="2057040" cy="364680"/>
-          </a:xfrm>
-          <a:prstGeom prst="rect">
-            <a:avLst/>
-          </a:prstGeom>
-          <a:noFill/>
-          <a:ln w="0">
-            <a:noFill/>
-          </a:ln>
-        </p:spPr>
-        <p:txBody>
-          <a:bodyPr anchor="ctr">
-            <a:noAutofit/>
-          </a:bodyPr>
-          <a:p>
-            <a:pPr>
-              <a:lnSpc>
-                <a:spcPct val="100000"/>
-              </a:lnSpc>
-            </a:pPr>
-            <a:fld id="{70F220A5-4781-4F94-9D58-62A4721C8D98}" type="datetime">
-              <a:rPr b="0" lang="en-US" sz="1200" spc="-1" strike="noStrike">
-                <a:solidFill>
-                  <a:srgbClr val="8b8b8b"/>
-                </a:solidFill>
-                <a:latin typeface="Calibri"/>
-              </a:rPr>
-              <a:t>9/19/21</a:t>
-            </a:fld>
-            <a:endParaRPr b="0" lang="en-US" sz="1200" spc="-1" strike="noStrike">
-              <a:latin typeface="Times New Roman"/>
-            </a:endParaRPr>
-          </a:p>
-        </p:txBody>
-      </p:sp>
-      <p:sp>
-        <p:nvSpPr>
-          <p:cNvPr id="2" name="PlaceHolder 3"/>
-          <p:cNvSpPr>
-            <a:spLocks noGrp="1"/>
-          </p:cNvSpPr>
-          <p:nvPr>
-            <p:ph type="ftr"/>
-          </p:nvPr>
-        </p:nvSpPr>
-        <p:spPr>
-          <a:xfrm>
-            <a:off x="3028680" y="6356520"/>
-            <a:ext cx="3085920" cy="364680"/>
-          </a:xfrm>
-          <a:prstGeom prst="rect">
-            <a:avLst/>
-          </a:prstGeom>
-          <a:noFill/>
-          <a:ln w="0">
-            <a:noFill/>
-          </a:ln>
-        </p:spPr>
-        <p:txBody>
-          <a:bodyPr anchor="ctr">
-            <a:noAutofit/>
-          </a:bodyPr>
-          <a:p>
-            <a:endParaRPr b="0" lang="en-US" sz="2400" spc="-1" strike="noStrike">
-              <a:latin typeface="Times New Roman"/>
-            </a:endParaRPr>
-          </a:p>
-        </p:txBody>
-      </p:sp>
-      <p:sp>
-        <p:nvSpPr>
-          <p:cNvPr id="3" name="PlaceHolder 4"/>
-          <p:cNvSpPr>
-            <a:spLocks noGrp="1"/>
-          </p:cNvSpPr>
-          <p:nvPr>
-            <p:ph type="sldNum"/>
-          </p:nvPr>
-        </p:nvSpPr>
-        <p:spPr>
-          <a:xfrm>
-            <a:off x="6457680" y="6356520"/>
-            <a:ext cx="2057040" cy="364680"/>
-          </a:xfrm>
-          <a:prstGeom prst="rect">
-            <a:avLst/>
-          </a:prstGeom>
-          <a:noFill/>
-          <a:ln w="0">
-            <a:noFill/>
-          </a:ln>
-        </p:spPr>
-        <p:txBody>
-          <a:bodyPr anchor="ctr">
-            <a:noAutofit/>
-          </a:bodyPr>
-          <a:p>
-            <a:pPr algn="r">
-              <a:lnSpc>
-                <a:spcPct val="100000"/>
-              </a:lnSpc>
-            </a:pPr>
-            <a:fld id="{B3A8D701-CCCA-42D2-B283-D0F39F4B4487}" type="slidenum">
-              <a:rPr b="0" lang="en-US" sz="1200" spc="-1" strike="noStrike">
-                <a:solidFill>
-                  <a:srgbClr val="8b8b8b"/>
-                </a:solidFill>
-                <a:latin typeface="Calibri"/>
-              </a:rPr>
-              <a:t>&lt;number&gt;</a:t>
-            </a:fld>
-            <a:endParaRPr b="0" lang="en-US" sz="1200" spc="-1" strike="noStrike">
-              <a:latin typeface="Times New Roman"/>
-            </a:endParaRPr>
-          </a:p>
-        </p:txBody>
-      </p:sp>
-      <p:sp>
-        <p:nvSpPr>
-          <p:cNvPr id="4" name="PlaceHolder 5"/>
-          <p:cNvSpPr>
-            <a:spLocks noGrp="1"/>
-          </p:cNvSpPr>
-          <p:nvPr>
-            <p:ph type="body"/>
-          </p:nvPr>
-        </p:nvSpPr>
-        <p:spPr>
-          <a:xfrm>
-            <a:off x="457200" y="1604520"/>
-            <a:ext cx="8229240" cy="3977280"/>
-          </a:xfrm>
-          <a:prstGeom prst="rect">
-            <a:avLst/>
-          </a:prstGeom>
-          <a:noFill/>
-          <a:ln w="0">
-            <a:noFill/>
-          </a:ln>
-        </p:spPr>
-        <p:txBody>
-          <a:bodyPr lIns="0" rIns="0" tIns="0" bIns="0" anchor="t">
-            <a:normAutofit/>
-          </a:bodyPr>
-          <a:p>
-            <a:pPr marL="432000" indent="-324000">
-              <a:spcBef>
-                <a:spcPts val="1417"/>
-              </a:spcBef>
-              <a:buClr>
-                <a:srgbClr val="000000"/>
-              </a:buClr>
-              <a:buSzPct val="45000"/>
-              <a:buFont typeface="Wingdings" charset="2"/>
-              <a:buChar char=""/>
-            </a:pPr>
-            <a:r>
-              <a:rPr b="0" lang="en-US" sz="2800" spc="-1" strike="noStrike">
-                <a:solidFill>
-                  <a:srgbClr val="000000"/>
-                </a:solidFill>
-                <a:latin typeface="Calibri"/>
-              </a:rPr>
-              <a:t>Click to edit the outline text format</a:t>
-            </a:r>
-            <a:endParaRPr b="0" lang="en-US" sz="2800" spc="-1" strike="noStrike">
-              <a:solidFill>
-                <a:srgbClr val="000000"/>
-              </a:solidFill>
-              <a:latin typeface="Calibri"/>
-            </a:endParaRPr>
-          </a:p>
-          <a:p>
-            <a:pPr lvl="1" marL="864000" indent="-324000">
-              <a:spcBef>
-                <a:spcPts val="1134"/>
-              </a:spcBef>
-              <a:buClr>
-                <a:srgbClr val="000000"/>
-              </a:buClr>
-              <a:buSzPct val="75000"/>
-              <a:buFont typeface="Symbol" charset="2"/>
-              <a:buChar char=""/>
-            </a:pPr>
-            <a:r>
-              <a:rPr b="0" lang="en-US" sz="2000" spc="-1" strike="noStrike">
-                <a:solidFill>
-                  <a:srgbClr val="000000"/>
-                </a:solidFill>
-                <a:latin typeface="Calibri"/>
-              </a:rPr>
-              <a:t>Second Outline Level</a:t>
-            </a:r>
-            <a:endParaRPr b="0" lang="en-US" sz="2000" spc="-1" strike="noStrike">
-              <a:solidFill>
-                <a:srgbClr val="000000"/>
-              </a:solidFill>
-              <a:latin typeface="Calibri"/>
-            </a:endParaRPr>
-          </a:p>
-          <a:p>
-            <a:pPr lvl="2" marL="1296000" indent="-288000">
-              <a:spcBef>
-                <a:spcPts val="850"/>
-              </a:spcBef>
-              <a:buClr>
-                <a:srgbClr val="000000"/>
-              </a:buClr>
-              <a:buSzPct val="45000"/>
-              <a:buFont typeface="Wingdings" charset="2"/>
-              <a:buChar char=""/>
-            </a:pPr>
             <a:r>
               <a:rPr b="0" lang="en-US" sz="1800" spc="-1" strike="noStrike">
-                <a:solidFill>
-                  <a:srgbClr val="000000"/>
-                </a:solidFill>
-                <a:latin typeface="Calibri"/>
+                <a:latin typeface="Arial"/>
               </a:rPr>
-              <a:t>Third Outline Level</a:t>
+              <a:t>Click to edit the title text format</a:t>
             </a:r>
             <a:endParaRPr b="0" lang="en-US" sz="1800" spc="-1" strike="noStrike">
-              <a:solidFill>
-                <a:srgbClr val="000000"/>
-              </a:solidFill>
-              <a:latin typeface="Calibri"/>
-            </a:endParaRPr>
-          </a:p>
-          <a:p>
-            <a:pPr lvl="3" marL="1728000" indent="-216000">
-              <a:spcBef>
-                <a:spcPts val="567"/>
-              </a:spcBef>
-              <a:buClr>
-                <a:srgbClr val="000000"/>
-              </a:buClr>
-              <a:buSzPct val="75000"/>
-              <a:buFont typeface="Symbol" charset="2"/>
-              <a:buChar char=""/>
-            </a:pPr>
-            <a:r>
-              <a:rPr b="0" lang="en-US" sz="1800" spc="-1" strike="noStrike">
-                <a:solidFill>
-                  <a:srgbClr val="000000"/>
-                </a:solidFill>
-                <a:latin typeface="Calibri"/>
-              </a:rPr>
-              <a:t>Fourth Outline Level</a:t>
-            </a:r>
-            <a:endParaRPr b="0" lang="en-US" sz="1800" spc="-1" strike="noStrike">
-              <a:solidFill>
-                <a:srgbClr val="000000"/>
-              </a:solidFill>
-              <a:latin typeface="Calibri"/>
-            </a:endParaRPr>
-          </a:p>
-          <a:p>
-            <a:pPr lvl="4" marL="2160000" indent="-216000">
-              <a:spcBef>
-                <a:spcPts val="283"/>
-              </a:spcBef>
-              <a:buClr>
-                <a:srgbClr val="000000"/>
-              </a:buClr>
-              <a:buSzPct val="45000"/>
-              <a:buFont typeface="Wingdings" charset="2"/>
-              <a:buChar char=""/>
-            </a:pPr>
-            <a:r>
-              <a:rPr b="0" lang="en-US" sz="2000" spc="-1" strike="noStrike">
-                <a:solidFill>
-                  <a:srgbClr val="000000"/>
-                </a:solidFill>
-                <a:latin typeface="Calibri"/>
-              </a:rPr>
-              <a:t>Fifth Outline Level</a:t>
-            </a:r>
-            <a:endParaRPr b="0" lang="en-US" sz="2000" spc="-1" strike="noStrike">
-              <a:solidFill>
-                <a:srgbClr val="000000"/>
-              </a:solidFill>
-              <a:latin typeface="Calibri"/>
-            </a:endParaRPr>
-          </a:p>
-          <a:p>
-            <a:pPr lvl="5" marL="2592000" indent="-216000">
-              <a:spcBef>
-                <a:spcPts val="283"/>
-              </a:spcBef>
-              <a:buClr>
-                <a:srgbClr val="000000"/>
-              </a:buClr>
-              <a:buSzPct val="45000"/>
-              <a:buFont typeface="Wingdings" charset="2"/>
-              <a:buChar char=""/>
-            </a:pPr>
-            <a:r>
-              <a:rPr b="0" lang="en-US" sz="2000" spc="-1" strike="noStrike">
-                <a:solidFill>
-                  <a:srgbClr val="000000"/>
-                </a:solidFill>
-                <a:latin typeface="Calibri"/>
-              </a:rPr>
-              <a:t>Sixth Outline Level</a:t>
-            </a:r>
-            <a:endParaRPr b="0" lang="en-US" sz="2000" spc="-1" strike="noStrike">
-              <a:solidFill>
-                <a:srgbClr val="000000"/>
-              </a:solidFill>
-              <a:latin typeface="Calibri"/>
-            </a:endParaRPr>
-          </a:p>
-          <a:p>
-            <a:pPr lvl="6" marL="3024000" indent="-216000">
-              <a:spcBef>
-                <a:spcPts val="283"/>
-              </a:spcBef>
-              <a:buClr>
-                <a:srgbClr val="000000"/>
-              </a:buClr>
-              <a:buSzPct val="45000"/>
-              <a:buFont typeface="Wingdings" charset="2"/>
-              <a:buChar char=""/>
-            </a:pPr>
-            <a:r>
-              <a:rPr b="0" lang="en-US" sz="2000" spc="-1" strike="noStrike">
-                <a:solidFill>
-                  <a:srgbClr val="000000"/>
-                </a:solidFill>
-                <a:latin typeface="Calibri"/>
-              </a:rPr>
-              <a:t>Seventh Outline Level</a:t>
-            </a:r>
-            <a:endParaRPr b="0" lang="en-US" sz="2000" spc="-1" strike="noStrike">
-              <a:solidFill>
-                <a:srgbClr val="000000"/>
-              </a:solidFill>
-              <a:latin typeface="Calibri"/>
+              <a:latin typeface="Arial"/>
             </a:endParaRPr>
           </a:p>
         </p:txBody>
@@ -2080,14 +1622,14 @@
       </p:grpSpPr>
       <p:sp>
         <p:nvSpPr>
-          <p:cNvPr id="41" name="Rectangle 3"/>
+          <p:cNvPr id="37" name="Rectangle 3"/>
           <p:cNvSpPr/>
           <p:nvPr/>
         </p:nvSpPr>
         <p:spPr>
           <a:xfrm>
             <a:off x="2305440" y="1784880"/>
-            <a:ext cx="4185720" cy="771840"/>
+            <a:ext cx="4185360" cy="771480"/>
           </a:xfrm>
           <a:prstGeom prst="rect">
             <a:avLst/>
@@ -2116,14 +1658,14 @@
       </p:sp>
       <p:sp>
         <p:nvSpPr>
-          <p:cNvPr id="42" name="TextBox 19"/>
+          <p:cNvPr id="38" name="TextBox 19"/>
           <p:cNvSpPr/>
           <p:nvPr/>
         </p:nvSpPr>
         <p:spPr>
           <a:xfrm>
             <a:off x="2189880" y="4697640"/>
-            <a:ext cx="813960" cy="639000"/>
+            <a:ext cx="813600" cy="638640"/>
           </a:xfrm>
           <a:prstGeom prst="rect">
             <a:avLst/>
@@ -2155,6 +1697,7 @@
                   <a:srgbClr val="000000"/>
                 </a:solidFill>
                 <a:latin typeface="Calibri"/>
+                <a:ea typeface="DejaVu Sans"/>
               </a:rPr>
               <a:t>cluster</a:t>
             </a:r>
@@ -2174,6 +1717,7 @@
                   <a:srgbClr val="000000"/>
                 </a:solidFill>
                 <a:latin typeface="Calibri"/>
+                <a:ea typeface="DejaVu Sans"/>
               </a:rPr>
               <a:t>  </a:t>
             </a:r>
@@ -2183,6 +1727,7 @@
                   <a:srgbClr val="000000"/>
                 </a:solidFill>
                 <a:latin typeface="Calibri"/>
+                <a:ea typeface="DejaVu Sans"/>
               </a:rPr>
               <a:t>200</a:t>
             </a:r>
@@ -2194,14 +1739,14 @@
       </p:sp>
       <p:sp>
         <p:nvSpPr>
-          <p:cNvPr id="43" name="TextBox 20"/>
+          <p:cNvPr id="39" name="TextBox 20"/>
           <p:cNvSpPr/>
           <p:nvPr/>
         </p:nvSpPr>
         <p:spPr>
           <a:xfrm>
             <a:off x="6089400" y="4658400"/>
-            <a:ext cx="804240" cy="639000"/>
+            <a:ext cx="803880" cy="638640"/>
           </a:xfrm>
           <a:prstGeom prst="rect">
             <a:avLst/>
@@ -2233,6 +1778,7 @@
                   <a:srgbClr val="000000"/>
                 </a:solidFill>
                 <a:latin typeface="Calibri"/>
+                <a:ea typeface="DejaVu Sans"/>
               </a:rPr>
               <a:t>cluster</a:t>
             </a:r>
@@ -2252,6 +1798,7 @@
                   <a:srgbClr val="000000"/>
                 </a:solidFill>
                 <a:latin typeface="Calibri"/>
+                <a:ea typeface="DejaVu Sans"/>
               </a:rPr>
               <a:t>  </a:t>
             </a:r>
@@ -2261,6 +1808,7 @@
                   <a:srgbClr val="000000"/>
                 </a:solidFill>
                 <a:latin typeface="Calibri"/>
+                <a:ea typeface="DejaVu Sans"/>
               </a:rPr>
               <a:t>204</a:t>
             </a:r>
@@ -2272,7 +1820,7 @@
       </p:sp>
       <p:sp>
         <p:nvSpPr>
-          <p:cNvPr id="44" name="Straight Connector 21"/>
+          <p:cNvPr id="40" name="Straight Connector 21"/>
           <p:cNvSpPr/>
           <p:nvPr/>
         </p:nvSpPr>
@@ -2305,7 +1853,7 @@
       </p:sp>
       <p:sp>
         <p:nvSpPr>
-          <p:cNvPr id="45" name="Straight Connector 25"/>
+          <p:cNvPr id="41" name="Straight Connector 25"/>
           <p:cNvSpPr/>
           <p:nvPr/>
         </p:nvSpPr>
@@ -2338,14 +1886,14 @@
       </p:sp>
       <p:sp>
         <p:nvSpPr>
-          <p:cNvPr id="46" name="TextBox 27"/>
+          <p:cNvPr id="42" name="TextBox 27"/>
           <p:cNvSpPr/>
           <p:nvPr/>
         </p:nvSpPr>
         <p:spPr>
           <a:xfrm>
             <a:off x="3751200" y="1850040"/>
-            <a:ext cx="842760" cy="639000"/>
+            <a:ext cx="842400" cy="638640"/>
           </a:xfrm>
           <a:prstGeom prst="rect">
             <a:avLst/>
@@ -2377,8 +1925,9 @@
                   <a:srgbClr val="000000"/>
                 </a:solidFill>
                 <a:latin typeface="Calibri"/>
+                <a:ea typeface="DejaVu Sans"/>
               </a:rPr>
-              <a:t>size of </a:t>
+              <a:t>Size of </a:t>
             </a:r>
             <a:endParaRPr b="0" lang="en-US" sz="1800" spc="-1" strike="noStrike">
               <a:latin typeface="Arial"/>
@@ -2396,6 +1945,7 @@
                   <a:srgbClr val="000000"/>
                 </a:solidFill>
                 <a:latin typeface="Calibri"/>
+                <a:ea typeface="DejaVu Sans"/>
               </a:rPr>
               <a:t>the file</a:t>
             </a:r>
@@ -2407,14 +1957,14 @@
       </p:sp>
       <p:sp>
         <p:nvSpPr>
-          <p:cNvPr id="47" name="TextBox 28"/>
+          <p:cNvPr id="43" name="TextBox 28"/>
           <p:cNvSpPr/>
           <p:nvPr/>
         </p:nvSpPr>
         <p:spPr>
           <a:xfrm>
             <a:off x="2400480" y="1931040"/>
-            <a:ext cx="980640" cy="364680"/>
+            <a:ext cx="980280" cy="364320"/>
           </a:xfrm>
           <a:prstGeom prst="rect">
             <a:avLst/>
@@ -2446,6 +1996,7 @@
                   <a:srgbClr val="000000"/>
                 </a:solidFill>
                 <a:latin typeface="Calibri"/>
+                <a:ea typeface="DejaVu Sans"/>
               </a:rPr>
               <a:t>“</a:t>
             </a:r>
@@ -2455,6 +2006,7 @@
                   <a:srgbClr val="000000"/>
                 </a:solidFill>
                 <a:latin typeface="Calibri"/>
+                <a:ea typeface="DejaVu Sans"/>
               </a:rPr>
               <a:t>bar.txt”</a:t>
             </a:r>
@@ -2466,14 +2018,14 @@
       </p:sp>
       <p:sp>
         <p:nvSpPr>
-          <p:cNvPr id="48" name="TextBox 39"/>
+          <p:cNvPr id="44" name="TextBox 39"/>
           <p:cNvSpPr/>
           <p:nvPr/>
         </p:nvSpPr>
         <p:spPr>
           <a:xfrm>
             <a:off x="3229560" y="1346040"/>
-            <a:ext cx="2801520" cy="364680"/>
+            <a:ext cx="2801160" cy="364320"/>
           </a:xfrm>
           <a:prstGeom prst="rect">
             <a:avLst/>
@@ -2505,6 +2057,7 @@
                   <a:srgbClr val="000000"/>
                 </a:solidFill>
                 <a:latin typeface="Calibri"/>
+                <a:ea typeface="DejaVu Sans"/>
               </a:rPr>
               <a:t>MFT entry</a:t>
             </a:r>
@@ -2514,6 +2067,7 @@
                   <a:srgbClr val="000000"/>
                 </a:solidFill>
                 <a:latin typeface="Calibri"/>
+                <a:ea typeface="DejaVu Sans"/>
               </a:rPr>
               <a:t> of file </a:t>
             </a:r>
@@ -2523,6 +2077,7 @@
                   <a:srgbClr val="0070c0"/>
                 </a:solidFill>
                 <a:latin typeface="Calibri"/>
+                <a:ea typeface="DejaVu Sans"/>
               </a:rPr>
               <a:t>bar.txt</a:t>
             </a:r>
@@ -2534,14 +2089,14 @@
       </p:sp>
       <p:sp>
         <p:nvSpPr>
-          <p:cNvPr id="49" name="Elbow Connector 41"/>
+          <p:cNvPr id="45" name="Elbow Connector 41"/>
           <p:cNvSpPr/>
           <p:nvPr/>
         </p:nvSpPr>
         <p:spPr>
           <a:xfrm rot="5400000">
-            <a:off x="2360520" y="2836080"/>
-            <a:ext cx="1061640" cy="475920"/>
+            <a:off x="2360880" y="2836080"/>
+            <a:ext cx="1061280" cy="475560"/>
           </a:xfrm>
           <a:prstGeom prst="bentConnector3">
             <a:avLst>
@@ -2571,14 +2126,14 @@
       </p:sp>
       <p:sp>
         <p:nvSpPr>
-          <p:cNvPr id="50" name="Rounded Rectangle 42"/>
+          <p:cNvPr id="46" name="Rounded Rectangle 42"/>
           <p:cNvSpPr/>
           <p:nvPr/>
         </p:nvSpPr>
         <p:spPr>
           <a:xfrm>
             <a:off x="2305440" y="3605400"/>
-            <a:ext cx="694800" cy="1004040"/>
+            <a:ext cx="694440" cy="1003680"/>
           </a:xfrm>
           <a:prstGeom prst="roundRect">
             <a:avLst>
@@ -2616,14 +2171,14 @@
       </p:sp>
       <p:sp>
         <p:nvSpPr>
-          <p:cNvPr id="51" name="Rounded Rectangle 44"/>
+          <p:cNvPr id="47" name="Rounded Rectangle 44"/>
           <p:cNvSpPr/>
           <p:nvPr/>
         </p:nvSpPr>
         <p:spPr>
           <a:xfrm>
             <a:off x="3227760" y="3607560"/>
-            <a:ext cx="694800" cy="1004040"/>
+            <a:ext cx="694440" cy="1003680"/>
           </a:xfrm>
           <a:prstGeom prst="roundRect">
             <a:avLst>
@@ -2661,14 +2216,14 @@
       </p:sp>
       <p:sp>
         <p:nvSpPr>
-          <p:cNvPr id="52" name="Rounded Rectangle 45"/>
+          <p:cNvPr id="48" name="Rounded Rectangle 45"/>
           <p:cNvSpPr/>
           <p:nvPr/>
         </p:nvSpPr>
         <p:spPr>
           <a:xfrm>
             <a:off x="6084720" y="3607560"/>
-            <a:ext cx="694800" cy="1004040"/>
+            <a:ext cx="694440" cy="1003680"/>
           </a:xfrm>
           <a:prstGeom prst="roundRect">
             <a:avLst>
@@ -2706,14 +2261,14 @@
       </p:sp>
       <p:sp>
         <p:nvSpPr>
-          <p:cNvPr id="53" name="TextBox 46"/>
+          <p:cNvPr id="49" name="TextBox 46"/>
           <p:cNvSpPr/>
           <p:nvPr/>
         </p:nvSpPr>
         <p:spPr>
           <a:xfrm>
             <a:off x="3169440" y="4697640"/>
-            <a:ext cx="813960" cy="639000"/>
+            <a:ext cx="813600" cy="638640"/>
           </a:xfrm>
           <a:prstGeom prst="rect">
             <a:avLst/>
@@ -2745,6 +2300,7 @@
                   <a:srgbClr val="000000"/>
                 </a:solidFill>
                 <a:latin typeface="Calibri"/>
+                <a:ea typeface="DejaVu Sans"/>
               </a:rPr>
               <a:t>cluster</a:t>
             </a:r>
@@ -2764,6 +2320,7 @@
                   <a:srgbClr val="000000"/>
                 </a:solidFill>
                 <a:latin typeface="Calibri"/>
+                <a:ea typeface="DejaVu Sans"/>
               </a:rPr>
               <a:t>  </a:t>
             </a:r>
@@ -2773,6 +2330,7 @@
                   <a:srgbClr val="000000"/>
                 </a:solidFill>
                 <a:latin typeface="Calibri"/>
+                <a:ea typeface="DejaVu Sans"/>
               </a:rPr>
               <a:t>201</a:t>
             </a:r>
@@ -2784,14 +2342,14 @@
       </p:sp>
       <p:sp>
         <p:nvSpPr>
-          <p:cNvPr id="54" name="Rectangle 75"/>
+          <p:cNvPr id="50" name="Rectangle 75"/>
           <p:cNvSpPr/>
           <p:nvPr/>
         </p:nvSpPr>
         <p:spPr>
           <a:xfrm>
             <a:off x="2129400" y="806400"/>
-            <a:ext cx="4790520" cy="5240520"/>
+            <a:ext cx="4790160" cy="5240160"/>
           </a:xfrm>
           <a:prstGeom prst="rect">
             <a:avLst/>
@@ -2820,14 +2378,14 @@
       </p:sp>
       <p:sp>
         <p:nvSpPr>
-          <p:cNvPr id="55" name="Rounded Rectangle 43"/>
+          <p:cNvPr id="51" name="Rounded Rectangle 43"/>
           <p:cNvSpPr/>
           <p:nvPr/>
         </p:nvSpPr>
         <p:spPr>
           <a:xfrm>
             <a:off x="4210200" y="3604680"/>
-            <a:ext cx="694800" cy="1004040"/>
+            <a:ext cx="694440" cy="1003680"/>
           </a:xfrm>
           <a:prstGeom prst="roundRect">
             <a:avLst>
@@ -2858,14 +2416,14 @@
       </p:sp>
       <p:sp>
         <p:nvSpPr>
-          <p:cNvPr id="56" name="Rounded Rectangle 47"/>
+          <p:cNvPr id="52" name="Rounded Rectangle 47"/>
           <p:cNvSpPr/>
           <p:nvPr/>
         </p:nvSpPr>
         <p:spPr>
           <a:xfrm>
             <a:off x="5132520" y="3606840"/>
-            <a:ext cx="694800" cy="1004040"/>
+            <a:ext cx="694440" cy="1003680"/>
           </a:xfrm>
           <a:prstGeom prst="roundRect">
             <a:avLst>
@@ -2896,14 +2454,14 @@
       </p:sp>
       <p:sp>
         <p:nvSpPr>
-          <p:cNvPr id="57" name="TextBox 49"/>
+          <p:cNvPr id="53" name="TextBox 49"/>
           <p:cNvSpPr/>
           <p:nvPr/>
         </p:nvSpPr>
         <p:spPr>
           <a:xfrm>
             <a:off x="5074200" y="4696920"/>
-            <a:ext cx="813960" cy="639000"/>
+            <a:ext cx="813600" cy="638640"/>
           </a:xfrm>
           <a:prstGeom prst="rect">
             <a:avLst/>
@@ -2935,6 +2493,7 @@
                   <a:srgbClr val="000000"/>
                 </a:solidFill>
                 <a:latin typeface="Calibri"/>
+                <a:ea typeface="DejaVu Sans"/>
               </a:rPr>
               <a:t>cluster</a:t>
             </a:r>
@@ -2954,6 +2513,7 @@
                   <a:srgbClr val="000000"/>
                 </a:solidFill>
                 <a:latin typeface="Calibri"/>
+                <a:ea typeface="DejaVu Sans"/>
               </a:rPr>
               <a:t>  </a:t>
             </a:r>
@@ -2963,6 +2523,7 @@
                   <a:srgbClr val="000000"/>
                 </a:solidFill>
                 <a:latin typeface="Calibri"/>
+                <a:ea typeface="DejaVu Sans"/>
               </a:rPr>
               <a:t>203</a:t>
             </a:r>
@@ -2974,14 +2535,14 @@
       </p:sp>
       <p:sp>
         <p:nvSpPr>
-          <p:cNvPr id="58" name="TextBox 50"/>
+          <p:cNvPr id="54" name="TextBox 50"/>
           <p:cNvSpPr/>
           <p:nvPr/>
         </p:nvSpPr>
         <p:spPr>
           <a:xfrm>
             <a:off x="4159800" y="4696920"/>
-            <a:ext cx="813960" cy="639000"/>
+            <a:ext cx="813600" cy="638640"/>
           </a:xfrm>
           <a:prstGeom prst="rect">
             <a:avLst/>
@@ -3013,6 +2574,7 @@
                   <a:srgbClr val="000000"/>
                 </a:solidFill>
                 <a:latin typeface="Calibri"/>
+                <a:ea typeface="DejaVu Sans"/>
               </a:rPr>
               <a:t>cluster</a:t>
             </a:r>
@@ -3032,6 +2594,7 @@
                   <a:srgbClr val="000000"/>
                 </a:solidFill>
                 <a:latin typeface="Calibri"/>
+                <a:ea typeface="DejaVu Sans"/>
               </a:rPr>
               <a:t>  </a:t>
             </a:r>
@@ -3041,6 +2604,7 @@
                   <a:srgbClr val="000000"/>
                 </a:solidFill>
                 <a:latin typeface="Calibri"/>
+                <a:ea typeface="DejaVu Sans"/>
               </a:rPr>
               <a:t>202</a:t>
             </a:r>
@@ -3052,14 +2616,14 @@
       </p:sp>
       <p:sp>
         <p:nvSpPr>
-          <p:cNvPr id="59" name="TextBox 48"/>
+          <p:cNvPr id="55" name="TextBox 48"/>
           <p:cNvSpPr/>
           <p:nvPr/>
         </p:nvSpPr>
         <p:spPr>
           <a:xfrm>
             <a:off x="4492800" y="5496840"/>
-            <a:ext cx="1279080" cy="364680"/>
+            <a:ext cx="1278720" cy="364320"/>
           </a:xfrm>
           <a:prstGeom prst="rect">
             <a:avLst/>
@@ -3091,6 +2655,7 @@
                   <a:srgbClr val="000000"/>
                 </a:solidFill>
                 <a:latin typeface="Calibri"/>
+                <a:ea typeface="DejaVu Sans"/>
               </a:rPr>
               <a:t>a gap here</a:t>
             </a:r>
@@ -3102,7 +2667,7 @@
       </p:sp>
       <p:sp>
         <p:nvSpPr>
-          <p:cNvPr id="60" name="Straight Connector 51"/>
+          <p:cNvPr id="56" name="Straight Connector 51"/>
           <p:cNvSpPr/>
           <p:nvPr/>
         </p:nvSpPr>
@@ -3135,7 +2700,7 @@
       </p:sp>
       <p:sp>
         <p:nvSpPr>
-          <p:cNvPr id="61" name="Straight Connector 54"/>
+          <p:cNvPr id="57" name="Straight Connector 54"/>
           <p:cNvSpPr/>
           <p:nvPr/>
         </p:nvSpPr>
@@ -3168,14 +2733,14 @@
       </p:sp>
       <p:sp>
         <p:nvSpPr>
-          <p:cNvPr id="62" name="Straight Arrow Connector 5"/>
+          <p:cNvPr id="58" name="Straight Arrow Connector 5"/>
           <p:cNvSpPr/>
           <p:nvPr/>
         </p:nvSpPr>
         <p:spPr>
           <a:xfrm>
             <a:off x="4084200" y="5427360"/>
-            <a:ext cx="1841040" cy="360"/>
+            <a:ext cx="1840680" cy="360"/>
           </a:xfrm>
           <a:custGeom>
             <a:avLst/>
@@ -3217,14 +2782,14 @@
       </p:sp>
       <p:sp>
         <p:nvSpPr>
-          <p:cNvPr id="63" name="TextBox 55"/>
+          <p:cNvPr id="59" name="TextBox 55"/>
           <p:cNvSpPr/>
           <p:nvPr/>
         </p:nvSpPr>
         <p:spPr>
           <a:xfrm>
-            <a:off x="4871520" y="1840320"/>
-            <a:ext cx="1510560" cy="639000"/>
+            <a:off x="4800600" y="1840320"/>
+            <a:ext cx="1581120" cy="639000"/>
           </a:xfrm>
           <a:prstGeom prst="rect">
             <a:avLst/>
@@ -3256,8 +2821,9 @@
                   <a:srgbClr val="000000"/>
                 </a:solidFill>
                 <a:latin typeface="Calibri"/>
+                <a:ea typeface="DejaVu Sans"/>
               </a:rPr>
-              <a:t>run1: 200-201</a:t>
+              <a:t>Run1: 200-201</a:t>
             </a:r>
             <a:endParaRPr b="0" lang="en-US" sz="1800" spc="-1" strike="noStrike">
               <a:latin typeface="Arial"/>
@@ -3275,8 +2841,9 @@
                   <a:srgbClr val="000000"/>
                 </a:solidFill>
                 <a:latin typeface="Calibri"/>
+                <a:ea typeface="DejaVu Sans"/>
               </a:rPr>
-              <a:t>run2: 204</a:t>
+              <a:t>Run2: 204</a:t>
             </a:r>
             <a:endParaRPr b="0" lang="en-US" sz="1800" spc="-1" strike="noStrike">
               <a:latin typeface="Arial"/>
